--- a/documentation/Presentation/The Barn projekt_projekteredmeny.pptx
+++ b/documentation/Presentation/The Barn projekt_projekteredmeny.pptx
@@ -8,11 +8,18 @@
     <p:sldId id="256" r:id="rId2"/>
     <p:sldId id="257" r:id="rId3"/>
     <p:sldId id="266" r:id="rId4"/>
-    <p:sldId id="258" r:id="rId5"/>
-    <p:sldId id="267" r:id="rId6"/>
-    <p:sldId id="269" r:id="rId7"/>
-    <p:sldId id="268" r:id="rId8"/>
-    <p:sldId id="265" r:id="rId9"/>
+    <p:sldId id="270" r:id="rId5"/>
+    <p:sldId id="271" r:id="rId6"/>
+    <p:sldId id="272" r:id="rId7"/>
+    <p:sldId id="273" r:id="rId8"/>
+    <p:sldId id="278" r:id="rId9"/>
+    <p:sldId id="276" r:id="rId10"/>
+    <p:sldId id="274" r:id="rId11"/>
+    <p:sldId id="275" r:id="rId12"/>
+    <p:sldId id="258" r:id="rId13"/>
+    <p:sldId id="267" r:id="rId14"/>
+    <p:sldId id="268" r:id="rId15"/>
+    <p:sldId id="265" r:id="rId16"/>
   </p:sldIdLst>
   <p:sldSz cx="12192000" cy="6858000"/>
   <p:notesSz cx="6858000" cy="9144000"/>
@@ -3624,6 +3631,1363 @@
       <p:bldP spid="2" grpId="0"/>
       <p:bldP spid="3" grpId="0" build="p"/>
     </p:bldLst>
+  </p:timing>
+</p:sld>
+</file>
+
+<file path=ppt/slides/slide10.xml><?xml version="1.0" encoding="utf-8"?>
+<p:sld xmlns:a="http://schemas.openxmlformats.org/drawingml/2006/main" xmlns:r="http://schemas.openxmlformats.org/officeDocument/2006/relationships" xmlns:p="http://schemas.openxmlformats.org/presentationml/2006/main">
+  <p:cSld>
+    <p:spTree>
+      <p:nvGrpSpPr>
+        <p:cNvPr id="1" name="">
+          <a:extLst>
+            <a:ext uri="{FF2B5EF4-FFF2-40B4-BE49-F238E27FC236}">
+              <a16:creationId xmlns:a16="http://schemas.microsoft.com/office/drawing/2014/main" id="{67206799-0517-681E-9800-61C272FB1654}"/>
+            </a:ext>
+          </a:extLst>
+        </p:cNvPr>
+        <p:cNvGrpSpPr/>
+        <p:nvPr/>
+      </p:nvGrpSpPr>
+      <p:grpSpPr>
+        <a:xfrm>
+          <a:off x="0" y="0"/>
+          <a:ext cx="0" cy="0"/>
+          <a:chOff x="0" y="0"/>
+          <a:chExt cx="0" cy="0"/>
+        </a:xfrm>
+      </p:grpSpPr>
+      <p:sp>
+        <p:nvSpPr>
+          <p:cNvPr id="2" name="Title 1">
+            <a:extLst>
+              <a:ext uri="{FF2B5EF4-FFF2-40B4-BE49-F238E27FC236}">
+                <a16:creationId xmlns:a16="http://schemas.microsoft.com/office/drawing/2014/main" id="{7E03E1DB-2331-4194-628B-4C77FFCFEFAE}"/>
+              </a:ext>
+            </a:extLst>
+          </p:cNvPr>
+          <p:cNvSpPr>
+            <a:spLocks noGrp="1"/>
+          </p:cNvSpPr>
+          <p:nvPr>
+            <p:ph type="title"/>
+          </p:nvPr>
+        </p:nvSpPr>
+        <p:spPr>
+          <a:xfrm>
+            <a:off x="838200" y="215881"/>
+            <a:ext cx="10515600" cy="1325563"/>
+          </a:xfrm>
+        </p:spPr>
+        <p:txBody>
+          <a:bodyPr>
+            <a:noAutofit/>
+          </a:bodyPr>
+          <a:lstStyle/>
+          <a:p>
+            <a:pPr algn="ctr"/>
+            <a:r>
+              <a:rPr lang="hu-HU" sz="4800" dirty="0">
+                <a:ln w="22225">
+                  <a:solidFill>
+                    <a:schemeClr val="tx1"/>
+                  </a:solidFill>
+                  <a:miter lim="800000"/>
+                </a:ln>
+                <a:noFill/>
+              </a:rPr>
+              <a:t>A kezelőfelület</a:t>
+            </a:r>
+            <a:endParaRPr lang="en-US" sz="4800" dirty="0">
+              <a:ln w="22225">
+                <a:solidFill>
+                  <a:schemeClr val="tx1"/>
+                </a:solidFill>
+                <a:miter lim="800000"/>
+              </a:ln>
+              <a:noFill/>
+            </a:endParaRPr>
+          </a:p>
+        </p:txBody>
+      </p:sp>
+      <p:pic>
+        <p:nvPicPr>
+          <p:cNvPr id="4" name="Kép 3">
+            <a:extLst>
+              <a:ext uri="{FF2B5EF4-FFF2-40B4-BE49-F238E27FC236}">
+                <a16:creationId xmlns:a16="http://schemas.microsoft.com/office/drawing/2014/main" id="{01A04333-4A88-4A8C-5750-DE9AE3E9D016}"/>
+              </a:ext>
+            </a:extLst>
+          </p:cNvPr>
+          <p:cNvPicPr>
+            <a:picLocks noChangeAspect="1"/>
+          </p:cNvPicPr>
+          <p:nvPr/>
+        </p:nvPicPr>
+        <p:blipFill>
+          <a:blip r:embed="rId2"/>
+          <a:stretch>
+            <a:fillRect/>
+          </a:stretch>
+        </p:blipFill>
+        <p:spPr>
+          <a:xfrm>
+            <a:off x="2209800" y="1205346"/>
+            <a:ext cx="7772400" cy="5652654"/>
+          </a:xfrm>
+          <a:prstGeom prst="rect">
+            <a:avLst/>
+          </a:prstGeom>
+        </p:spPr>
+      </p:pic>
+    </p:spTree>
+    <p:extLst>
+      <p:ext uri="{BB962C8B-B14F-4D97-AF65-F5344CB8AC3E}">
+        <p14:creationId xmlns:p14="http://schemas.microsoft.com/office/powerpoint/2010/main" val="1363543508"/>
+      </p:ext>
+    </p:extLst>
+  </p:cSld>
+  <p:clrMapOvr>
+    <a:masterClrMapping/>
+  </p:clrMapOvr>
+</p:sld>
+</file>
+
+<file path=ppt/slides/slide11.xml><?xml version="1.0" encoding="utf-8"?>
+<p:sld xmlns:a="http://schemas.openxmlformats.org/drawingml/2006/main" xmlns:r="http://schemas.openxmlformats.org/officeDocument/2006/relationships" xmlns:p="http://schemas.openxmlformats.org/presentationml/2006/main">
+  <p:cSld>
+    <p:spTree>
+      <p:nvGrpSpPr>
+        <p:cNvPr id="1" name="">
+          <a:extLst>
+            <a:ext uri="{FF2B5EF4-FFF2-40B4-BE49-F238E27FC236}">
+              <a16:creationId xmlns:a16="http://schemas.microsoft.com/office/drawing/2014/main" id="{CED9FD72-58A2-0DC6-3DA3-23426749855E}"/>
+            </a:ext>
+          </a:extLst>
+        </p:cNvPr>
+        <p:cNvGrpSpPr/>
+        <p:nvPr/>
+      </p:nvGrpSpPr>
+      <p:grpSpPr>
+        <a:xfrm>
+          <a:off x="0" y="0"/>
+          <a:ext cx="0" cy="0"/>
+          <a:chOff x="0" y="0"/>
+          <a:chExt cx="0" cy="0"/>
+        </a:xfrm>
+      </p:grpSpPr>
+      <p:sp>
+        <p:nvSpPr>
+          <p:cNvPr id="2" name="Title 1">
+            <a:extLst>
+              <a:ext uri="{FF2B5EF4-FFF2-40B4-BE49-F238E27FC236}">
+                <a16:creationId xmlns:a16="http://schemas.microsoft.com/office/drawing/2014/main" id="{31537A0C-73CB-F672-33D2-D90E95D8FDB8}"/>
+              </a:ext>
+            </a:extLst>
+          </p:cNvPr>
+          <p:cNvSpPr>
+            <a:spLocks noGrp="1"/>
+          </p:cNvSpPr>
+          <p:nvPr>
+            <p:ph type="title"/>
+          </p:nvPr>
+        </p:nvSpPr>
+        <p:spPr>
+          <a:xfrm>
+            <a:off x="838200" y="215881"/>
+            <a:ext cx="10515600" cy="1325563"/>
+          </a:xfrm>
+        </p:spPr>
+        <p:txBody>
+          <a:bodyPr>
+            <a:noAutofit/>
+          </a:bodyPr>
+          <a:lstStyle/>
+          <a:p>
+            <a:pPr algn="ctr"/>
+            <a:r>
+              <a:rPr lang="hu-HU" sz="4800" dirty="0">
+                <a:ln w="22225">
+                  <a:solidFill>
+                    <a:schemeClr val="tx1"/>
+                  </a:solidFill>
+                  <a:miter lim="800000"/>
+                </a:ln>
+                <a:noFill/>
+              </a:rPr>
+              <a:t>A kezelőfelület</a:t>
+            </a:r>
+            <a:endParaRPr lang="en-US" sz="4800" dirty="0">
+              <a:ln w="22225">
+                <a:solidFill>
+                  <a:schemeClr val="tx1"/>
+                </a:solidFill>
+                <a:miter lim="800000"/>
+              </a:ln>
+              <a:noFill/>
+            </a:endParaRPr>
+          </a:p>
+        </p:txBody>
+      </p:sp>
+      <p:pic>
+        <p:nvPicPr>
+          <p:cNvPr id="3" name="Kép 2">
+            <a:extLst>
+              <a:ext uri="{FF2B5EF4-FFF2-40B4-BE49-F238E27FC236}">
+                <a16:creationId xmlns:a16="http://schemas.microsoft.com/office/drawing/2014/main" id="{DB51E01B-D75F-6D80-5B87-814FFDEC0B7A}"/>
+              </a:ext>
+            </a:extLst>
+          </p:cNvPr>
+          <p:cNvPicPr>
+            <a:picLocks noChangeAspect="1"/>
+          </p:cNvPicPr>
+          <p:nvPr/>
+        </p:nvPicPr>
+        <p:blipFill>
+          <a:blip r:embed="rId2"/>
+          <a:stretch>
+            <a:fillRect/>
+          </a:stretch>
+        </p:blipFill>
+        <p:spPr>
+          <a:xfrm>
+            <a:off x="2209800" y="1863769"/>
+            <a:ext cx="7772400" cy="3974522"/>
+          </a:xfrm>
+          <a:prstGeom prst="rect">
+            <a:avLst/>
+          </a:prstGeom>
+        </p:spPr>
+      </p:pic>
+    </p:spTree>
+    <p:extLst>
+      <p:ext uri="{BB962C8B-B14F-4D97-AF65-F5344CB8AC3E}">
+        <p14:creationId xmlns:p14="http://schemas.microsoft.com/office/powerpoint/2010/main" val="1271827457"/>
+      </p:ext>
+    </p:extLst>
+  </p:cSld>
+  <p:clrMapOvr>
+    <a:masterClrMapping/>
+  </p:clrMapOvr>
+</p:sld>
+</file>
+
+<file path=ppt/slides/slide12.xml><?xml version="1.0" encoding="utf-8"?>
+<p:sld xmlns:a="http://schemas.openxmlformats.org/drawingml/2006/main" xmlns:r="http://schemas.openxmlformats.org/officeDocument/2006/relationships" xmlns:p="http://schemas.openxmlformats.org/presentationml/2006/main">
+  <p:cSld>
+    <p:spTree>
+      <p:nvGrpSpPr>
+        <p:cNvPr id="1" name=""/>
+        <p:cNvGrpSpPr/>
+        <p:nvPr/>
+      </p:nvGrpSpPr>
+      <p:grpSpPr>
+        <a:xfrm>
+          <a:off x="0" y="0"/>
+          <a:ext cx="0" cy="0"/>
+          <a:chOff x="0" y="0"/>
+          <a:chExt cx="0" cy="0"/>
+        </a:xfrm>
+      </p:grpSpPr>
+      <p:sp>
+        <p:nvSpPr>
+          <p:cNvPr id="2" name="Title 1">
+            <a:extLst>
+              <a:ext uri="{FF2B5EF4-FFF2-40B4-BE49-F238E27FC236}">
+                <a16:creationId xmlns:a16="http://schemas.microsoft.com/office/drawing/2014/main" id="{71BAD695-B48F-B38B-6E3D-E892D4710DC6}"/>
+              </a:ext>
+            </a:extLst>
+          </p:cNvPr>
+          <p:cNvSpPr>
+            <a:spLocks noGrp="1"/>
+          </p:cNvSpPr>
+          <p:nvPr>
+            <p:ph type="title"/>
+          </p:nvPr>
+        </p:nvSpPr>
+        <p:spPr>
+          <a:xfrm>
+            <a:off x="838200" y="215881"/>
+            <a:ext cx="10515600" cy="1325563"/>
+          </a:xfrm>
+        </p:spPr>
+        <p:txBody>
+          <a:bodyPr>
+            <a:noAutofit/>
+          </a:bodyPr>
+          <a:lstStyle/>
+          <a:p>
+            <a:pPr algn="ctr"/>
+            <a:r>
+              <a:rPr lang="hu-HU" sz="4800" dirty="0">
+                <a:ln w="22225">
+                  <a:solidFill>
+                    <a:schemeClr val="tx1"/>
+                  </a:solidFill>
+                  <a:miter lim="800000"/>
+                </a:ln>
+                <a:noFill/>
+              </a:rPr>
+              <a:t>A tesztekről</a:t>
+            </a:r>
+            <a:endParaRPr lang="en-US" sz="4800" dirty="0">
+              <a:ln w="22225">
+                <a:solidFill>
+                  <a:schemeClr val="tx1"/>
+                </a:solidFill>
+                <a:miter lim="800000"/>
+              </a:ln>
+              <a:noFill/>
+            </a:endParaRPr>
+          </a:p>
+        </p:txBody>
+      </p:sp>
+      <p:pic>
+        <p:nvPicPr>
+          <p:cNvPr id="5" name="Kép 4">
+            <a:extLst>
+              <a:ext uri="{FF2B5EF4-FFF2-40B4-BE49-F238E27FC236}">
+                <a16:creationId xmlns:a16="http://schemas.microsoft.com/office/drawing/2014/main" id="{2F14273D-7436-24B1-ADE9-33FFBD957C60}"/>
+              </a:ext>
+            </a:extLst>
+          </p:cNvPr>
+          <p:cNvPicPr>
+            <a:picLocks noChangeAspect="1"/>
+          </p:cNvPicPr>
+          <p:nvPr/>
+        </p:nvPicPr>
+        <p:blipFill>
+          <a:blip r:embed="rId2"/>
+          <a:stretch>
+            <a:fillRect/>
+          </a:stretch>
+        </p:blipFill>
+        <p:spPr>
+          <a:xfrm>
+            <a:off x="30264" y="2575444"/>
+            <a:ext cx="12161736" cy="2380869"/>
+          </a:xfrm>
+          <a:prstGeom prst="rect">
+            <a:avLst/>
+          </a:prstGeom>
+        </p:spPr>
+      </p:pic>
+    </p:spTree>
+    <p:extLst>
+      <p:ext uri="{BB962C8B-B14F-4D97-AF65-F5344CB8AC3E}">
+        <p14:creationId xmlns:p14="http://schemas.microsoft.com/office/powerpoint/2010/main" val="2075039678"/>
+      </p:ext>
+    </p:extLst>
+  </p:cSld>
+  <p:clrMapOvr>
+    <a:masterClrMapping/>
+  </p:clrMapOvr>
+</p:sld>
+</file>
+
+<file path=ppt/slides/slide13.xml><?xml version="1.0" encoding="utf-8"?>
+<p:sld xmlns:a="http://schemas.openxmlformats.org/drawingml/2006/main" xmlns:r="http://schemas.openxmlformats.org/officeDocument/2006/relationships" xmlns:p="http://schemas.openxmlformats.org/presentationml/2006/main">
+  <p:cSld>
+    <p:spTree>
+      <p:nvGrpSpPr>
+        <p:cNvPr id="1" name="">
+          <a:extLst>
+            <a:ext uri="{FF2B5EF4-FFF2-40B4-BE49-F238E27FC236}">
+              <a16:creationId xmlns:a16="http://schemas.microsoft.com/office/drawing/2014/main" id="{9187FAED-0B10-525E-5872-814BB0A7EDA1}"/>
+            </a:ext>
+          </a:extLst>
+        </p:cNvPr>
+        <p:cNvGrpSpPr/>
+        <p:nvPr/>
+      </p:nvGrpSpPr>
+      <p:grpSpPr>
+        <a:xfrm>
+          <a:off x="0" y="0"/>
+          <a:ext cx="0" cy="0"/>
+          <a:chOff x="0" y="0"/>
+          <a:chExt cx="0" cy="0"/>
+        </a:xfrm>
+      </p:grpSpPr>
+      <p:sp>
+        <p:nvSpPr>
+          <p:cNvPr id="2" name="Title 1">
+            <a:extLst>
+              <a:ext uri="{FF2B5EF4-FFF2-40B4-BE49-F238E27FC236}">
+                <a16:creationId xmlns:a16="http://schemas.microsoft.com/office/drawing/2014/main" id="{BB27E8DB-EF30-01A3-D55E-949DD98AD737}"/>
+              </a:ext>
+            </a:extLst>
+          </p:cNvPr>
+          <p:cNvSpPr>
+            <a:spLocks noGrp="1"/>
+          </p:cNvSpPr>
+          <p:nvPr>
+            <p:ph type="title"/>
+          </p:nvPr>
+        </p:nvSpPr>
+        <p:spPr>
+          <a:xfrm>
+            <a:off x="838200" y="215881"/>
+            <a:ext cx="10515600" cy="1325563"/>
+          </a:xfrm>
+        </p:spPr>
+        <p:txBody>
+          <a:bodyPr>
+            <a:noAutofit/>
+          </a:bodyPr>
+          <a:lstStyle/>
+          <a:p>
+            <a:pPr algn="ctr"/>
+            <a:r>
+              <a:rPr lang="hu-HU" sz="4800" dirty="0">
+                <a:ln w="22225">
+                  <a:solidFill>
+                    <a:schemeClr val="tx1"/>
+                  </a:solidFill>
+                  <a:miter lim="800000"/>
+                </a:ln>
+                <a:noFill/>
+              </a:rPr>
+              <a:t>A tesztekről</a:t>
+            </a:r>
+            <a:endParaRPr lang="en-US" sz="4800" dirty="0">
+              <a:ln w="22225">
+                <a:solidFill>
+                  <a:schemeClr val="tx1"/>
+                </a:solidFill>
+                <a:miter lim="800000"/>
+              </a:ln>
+              <a:noFill/>
+            </a:endParaRPr>
+          </a:p>
+        </p:txBody>
+      </p:sp>
+      <p:pic>
+        <p:nvPicPr>
+          <p:cNvPr id="3" name="Kép 2">
+            <a:extLst>
+              <a:ext uri="{FF2B5EF4-FFF2-40B4-BE49-F238E27FC236}">
+                <a16:creationId xmlns:a16="http://schemas.microsoft.com/office/drawing/2014/main" id="{17380AF8-03B5-9AC6-8549-03D1847E0AAF}"/>
+              </a:ext>
+            </a:extLst>
+          </p:cNvPr>
+          <p:cNvPicPr>
+            <a:picLocks noChangeAspect="1"/>
+          </p:cNvPicPr>
+          <p:nvPr/>
+        </p:nvPicPr>
+        <p:blipFill>
+          <a:blip r:embed="rId2"/>
+          <a:stretch>
+            <a:fillRect/>
+          </a:stretch>
+        </p:blipFill>
+        <p:spPr>
+          <a:xfrm>
+            <a:off x="78363" y="1891688"/>
+            <a:ext cx="12113637" cy="3965773"/>
+          </a:xfrm>
+          <a:prstGeom prst="rect">
+            <a:avLst/>
+          </a:prstGeom>
+        </p:spPr>
+      </p:pic>
+    </p:spTree>
+    <p:extLst>
+      <p:ext uri="{BB962C8B-B14F-4D97-AF65-F5344CB8AC3E}">
+        <p14:creationId xmlns:p14="http://schemas.microsoft.com/office/powerpoint/2010/main" val="553131486"/>
+      </p:ext>
+    </p:extLst>
+  </p:cSld>
+  <p:clrMapOvr>
+    <a:masterClrMapping/>
+  </p:clrMapOvr>
+</p:sld>
+</file>
+
+<file path=ppt/slides/slide14.xml><?xml version="1.0" encoding="utf-8"?>
+<p:sld xmlns:a="http://schemas.openxmlformats.org/drawingml/2006/main" xmlns:r="http://schemas.openxmlformats.org/officeDocument/2006/relationships" xmlns:p="http://schemas.openxmlformats.org/presentationml/2006/main">
+  <p:cSld>
+    <p:bg>
+      <p:bgPr>
+        <a:blipFill dpi="0" rotWithShape="1">
+          <a:blip r:embed="rId2">
+            <a:alphaModFix amt="70000"/>
+            <a:lum/>
+          </a:blip>
+          <a:srcRect/>
+          <a:stretch>
+            <a:fillRect/>
+          </a:stretch>
+        </a:blipFill>
+        <a:effectLst/>
+      </p:bgPr>
+    </p:bg>
+    <p:spTree>
+      <p:nvGrpSpPr>
+        <p:cNvPr id="1" name="">
+          <a:extLst>
+            <a:ext uri="{FF2B5EF4-FFF2-40B4-BE49-F238E27FC236}">
+              <a16:creationId xmlns:a16="http://schemas.microsoft.com/office/drawing/2014/main" id="{0636169D-83E6-C028-0FCE-B79622A21687}"/>
+            </a:ext>
+          </a:extLst>
+        </p:cNvPr>
+        <p:cNvGrpSpPr/>
+        <p:nvPr/>
+      </p:nvGrpSpPr>
+      <p:grpSpPr>
+        <a:xfrm>
+          <a:off x="0" y="0"/>
+          <a:ext cx="0" cy="0"/>
+          <a:chOff x="0" y="0"/>
+          <a:chExt cx="0" cy="0"/>
+        </a:xfrm>
+      </p:grpSpPr>
+      <p:sp>
+        <p:nvSpPr>
+          <p:cNvPr id="5" name="Title 4">
+            <a:extLst>
+              <a:ext uri="{FF2B5EF4-FFF2-40B4-BE49-F238E27FC236}">
+                <a16:creationId xmlns:a16="http://schemas.microsoft.com/office/drawing/2014/main" id="{F13513F5-BD25-4E96-B6D1-F22CC4018F27}"/>
+              </a:ext>
+            </a:extLst>
+          </p:cNvPr>
+          <p:cNvSpPr>
+            <a:spLocks noGrp="1"/>
+          </p:cNvSpPr>
+          <p:nvPr>
+            <p:ph type="title"/>
+          </p:nvPr>
+        </p:nvSpPr>
+        <p:spPr>
+          <a:xfrm>
+            <a:off x="838200" y="500062"/>
+            <a:ext cx="10515600" cy="1325563"/>
+          </a:xfrm>
+        </p:spPr>
+        <p:txBody>
+          <a:bodyPr>
+            <a:normAutofit/>
+          </a:bodyPr>
+          <a:lstStyle/>
+          <a:p>
+            <a:r>
+              <a:rPr lang="en-US" sz="4000" dirty="0" err="1">
+                <a:ln w="22225">
+                  <a:solidFill>
+                    <a:schemeClr val="tx1"/>
+                  </a:solidFill>
+                  <a:miter lim="800000"/>
+                </a:ln>
+                <a:noFill/>
+              </a:rPr>
+              <a:t>Általános</a:t>
+            </a:r>
+            <a:r>
+              <a:rPr lang="en-US" sz="4000" dirty="0">
+                <a:ln w="22225">
+                  <a:solidFill>
+                    <a:schemeClr val="tx1"/>
+                  </a:solidFill>
+                  <a:miter lim="800000"/>
+                </a:ln>
+                <a:noFill/>
+              </a:rPr>
+              <a:t> </a:t>
+            </a:r>
+            <a:r>
+              <a:rPr lang="en-US" sz="4000" dirty="0" err="1">
+                <a:ln w="22225">
+                  <a:solidFill>
+                    <a:schemeClr val="tx1"/>
+                  </a:solidFill>
+                  <a:miter lim="800000"/>
+                </a:ln>
+                <a:noFill/>
+              </a:rPr>
+              <a:t>tapasztalatok</a:t>
+            </a:r>
+            <a:r>
+              <a:rPr lang="en-US" sz="4000" dirty="0">
+                <a:ln w="22225">
+                  <a:solidFill>
+                    <a:schemeClr val="tx1"/>
+                  </a:solidFill>
+                  <a:miter lim="800000"/>
+                </a:ln>
+                <a:noFill/>
+              </a:rPr>
+              <a:t>:</a:t>
+            </a:r>
+            <a:br>
+              <a:rPr lang="hu-HU" dirty="0"/>
+            </a:br>
+            <a:endParaRPr lang="en-US" dirty="0"/>
+          </a:p>
+        </p:txBody>
+      </p:sp>
+      <p:sp>
+        <p:nvSpPr>
+          <p:cNvPr id="3" name="Content Placeholder 2">
+            <a:extLst>
+              <a:ext uri="{FF2B5EF4-FFF2-40B4-BE49-F238E27FC236}">
+                <a16:creationId xmlns:a16="http://schemas.microsoft.com/office/drawing/2014/main" id="{6696E27E-9BAA-0623-6EAE-FECA2648BAEF}"/>
+              </a:ext>
+            </a:extLst>
+          </p:cNvPr>
+          <p:cNvSpPr>
+            <a:spLocks noGrp="1"/>
+          </p:cNvSpPr>
+          <p:nvPr>
+            <p:ph idx="1"/>
+          </p:nvPr>
+        </p:nvSpPr>
+        <p:spPr>
+          <a:xfrm>
+            <a:off x="198783" y="1480667"/>
+            <a:ext cx="10515600" cy="4351338"/>
+          </a:xfrm>
+        </p:spPr>
+        <p:txBody>
+          <a:bodyPr>
+            <a:normAutofit/>
+          </a:bodyPr>
+          <a:lstStyle/>
+          <a:p>
+            <a:endParaRPr lang="hu-HU" dirty="0"/>
+          </a:p>
+          <a:p>
+            <a:r>
+              <a:rPr lang="hu-HU" dirty="0"/>
+              <a:t>Könnyű vakvágányra futni fejlesztés során</a:t>
+            </a:r>
+          </a:p>
+          <a:p>
+            <a:r>
+              <a:rPr lang="hu-HU" dirty="0"/>
+              <a:t>Megfelelő technológia kiválasztása</a:t>
+            </a:r>
+          </a:p>
+          <a:p>
+            <a:r>
+              <a:rPr lang="hu-HU" dirty="0"/>
+              <a:t>Más elképzelések -&gt;  vicces szituk</a:t>
+            </a:r>
+          </a:p>
+          <a:p>
+            <a:r>
+              <a:rPr lang="hu-HU" dirty="0"/>
+              <a:t>Szervezettség kérdése</a:t>
+            </a:r>
+          </a:p>
+        </p:txBody>
+      </p:sp>
+    </p:spTree>
+    <p:extLst>
+      <p:ext uri="{BB962C8B-B14F-4D97-AF65-F5344CB8AC3E}">
+        <p14:creationId xmlns:p14="http://schemas.microsoft.com/office/powerpoint/2010/main" val="4035370961"/>
+      </p:ext>
+    </p:extLst>
+  </p:cSld>
+  <p:clrMapOvr>
+    <a:masterClrMapping/>
+  </p:clrMapOvr>
+  <p:timing>
+    <p:tnLst>
+      <p:par>
+        <p:cTn id="1" dur="indefinite" restart="never" nodeType="tmRoot">
+          <p:childTnLst>
+            <p:seq concurrent="1" nextAc="seek">
+              <p:cTn id="2" dur="indefinite" nodeType="mainSeq">
+                <p:childTnLst>
+                  <p:par>
+                    <p:cTn id="3" fill="hold">
+                      <p:stCondLst>
+                        <p:cond delay="indefinite"/>
+                        <p:cond evt="onBegin" delay="0">
+                          <p:tn val="2"/>
+                        </p:cond>
+                      </p:stCondLst>
+                      <p:childTnLst>
+                        <p:par>
+                          <p:cTn id="4" fill="hold">
+                            <p:stCondLst>
+                              <p:cond delay="0"/>
+                            </p:stCondLst>
+                            <p:childTnLst>
+                              <p:par>
+                                <p:cTn id="5" presetID="22" presetClass="entr" presetSubtype="8" fill="hold" nodeType="withEffect">
+                                  <p:stCondLst>
+                                    <p:cond delay="0"/>
+                                  </p:stCondLst>
+                                  <p:childTnLst>
+                                    <p:set>
+                                      <p:cBhvr>
+                                        <p:cTn id="6" dur="1" fill="hold">
+                                          <p:stCondLst>
+                                            <p:cond delay="0"/>
+                                          </p:stCondLst>
+                                        </p:cTn>
+                                        <p:tgtEl>
+                                          <p:spTgt spid="3">
+                                            <p:txEl>
+                                              <p:pRg st="1" end="1"/>
+                                            </p:txEl>
+                                          </p:spTgt>
+                                        </p:tgtEl>
+                                        <p:attrNameLst>
+                                          <p:attrName>style.visibility</p:attrName>
+                                        </p:attrNameLst>
+                                      </p:cBhvr>
+                                      <p:to>
+                                        <p:strVal val="visible"/>
+                                      </p:to>
+                                    </p:set>
+                                    <p:animEffect transition="in" filter="wipe(left)">
+                                      <p:cBhvr>
+                                        <p:cTn id="7" dur="1500"/>
+                                        <p:tgtEl>
+                                          <p:spTgt spid="3">
+                                            <p:txEl>
+                                              <p:pRg st="1" end="1"/>
+                                            </p:txEl>
+                                          </p:spTgt>
+                                        </p:tgtEl>
+                                      </p:cBhvr>
+                                    </p:animEffect>
+                                  </p:childTnLst>
+                                </p:cTn>
+                              </p:par>
+                              <p:par>
+                                <p:cTn id="8" presetID="22" presetClass="entr" presetSubtype="8" fill="hold" nodeType="withEffect">
+                                  <p:stCondLst>
+                                    <p:cond delay="0"/>
+                                  </p:stCondLst>
+                                  <p:childTnLst>
+                                    <p:set>
+                                      <p:cBhvr>
+                                        <p:cTn id="9" dur="1" fill="hold">
+                                          <p:stCondLst>
+                                            <p:cond delay="0"/>
+                                          </p:stCondLst>
+                                        </p:cTn>
+                                        <p:tgtEl>
+                                          <p:spTgt spid="3">
+                                            <p:txEl>
+                                              <p:pRg st="2" end="2"/>
+                                            </p:txEl>
+                                          </p:spTgt>
+                                        </p:tgtEl>
+                                        <p:attrNameLst>
+                                          <p:attrName>style.visibility</p:attrName>
+                                        </p:attrNameLst>
+                                      </p:cBhvr>
+                                      <p:to>
+                                        <p:strVal val="visible"/>
+                                      </p:to>
+                                    </p:set>
+                                    <p:animEffect transition="in" filter="wipe(left)">
+                                      <p:cBhvr>
+                                        <p:cTn id="10" dur="1500"/>
+                                        <p:tgtEl>
+                                          <p:spTgt spid="3">
+                                            <p:txEl>
+                                              <p:pRg st="2" end="2"/>
+                                            </p:txEl>
+                                          </p:spTgt>
+                                        </p:tgtEl>
+                                      </p:cBhvr>
+                                    </p:animEffect>
+                                  </p:childTnLst>
+                                </p:cTn>
+                              </p:par>
+                              <p:par>
+                                <p:cTn id="11" presetID="22" presetClass="entr" presetSubtype="8" fill="hold" nodeType="withEffect">
+                                  <p:stCondLst>
+                                    <p:cond delay="0"/>
+                                  </p:stCondLst>
+                                  <p:childTnLst>
+                                    <p:set>
+                                      <p:cBhvr>
+                                        <p:cTn id="12" dur="1" fill="hold">
+                                          <p:stCondLst>
+                                            <p:cond delay="0"/>
+                                          </p:stCondLst>
+                                        </p:cTn>
+                                        <p:tgtEl>
+                                          <p:spTgt spid="3">
+                                            <p:txEl>
+                                              <p:pRg st="3" end="3"/>
+                                            </p:txEl>
+                                          </p:spTgt>
+                                        </p:tgtEl>
+                                        <p:attrNameLst>
+                                          <p:attrName>style.visibility</p:attrName>
+                                        </p:attrNameLst>
+                                      </p:cBhvr>
+                                      <p:to>
+                                        <p:strVal val="visible"/>
+                                      </p:to>
+                                    </p:set>
+                                    <p:animEffect transition="in" filter="wipe(left)">
+                                      <p:cBhvr>
+                                        <p:cTn id="13" dur="1500"/>
+                                        <p:tgtEl>
+                                          <p:spTgt spid="3">
+                                            <p:txEl>
+                                              <p:pRg st="3" end="3"/>
+                                            </p:txEl>
+                                          </p:spTgt>
+                                        </p:tgtEl>
+                                      </p:cBhvr>
+                                    </p:animEffect>
+                                  </p:childTnLst>
+                                </p:cTn>
+                              </p:par>
+                              <p:par>
+                                <p:cTn id="14" presetID="22" presetClass="entr" presetSubtype="8" fill="hold" nodeType="withEffect">
+                                  <p:stCondLst>
+                                    <p:cond delay="0"/>
+                                  </p:stCondLst>
+                                  <p:childTnLst>
+                                    <p:set>
+                                      <p:cBhvr>
+                                        <p:cTn id="15" dur="1" fill="hold">
+                                          <p:stCondLst>
+                                            <p:cond delay="0"/>
+                                          </p:stCondLst>
+                                        </p:cTn>
+                                        <p:tgtEl>
+                                          <p:spTgt spid="3">
+                                            <p:txEl>
+                                              <p:pRg st="4" end="4"/>
+                                            </p:txEl>
+                                          </p:spTgt>
+                                        </p:tgtEl>
+                                        <p:attrNameLst>
+                                          <p:attrName>style.visibility</p:attrName>
+                                        </p:attrNameLst>
+                                      </p:cBhvr>
+                                      <p:to>
+                                        <p:strVal val="visible"/>
+                                      </p:to>
+                                    </p:set>
+                                    <p:animEffect transition="in" filter="wipe(left)">
+                                      <p:cBhvr>
+                                        <p:cTn id="16" dur="1500"/>
+                                        <p:tgtEl>
+                                          <p:spTgt spid="3">
+                                            <p:txEl>
+                                              <p:pRg st="4" end="4"/>
+                                            </p:txEl>
+                                          </p:spTgt>
+                                        </p:tgtEl>
+                                      </p:cBhvr>
+                                    </p:animEffect>
+                                  </p:childTnLst>
+                                </p:cTn>
+                              </p:par>
+                            </p:childTnLst>
+                          </p:cTn>
+                        </p:par>
+                      </p:childTnLst>
+                    </p:cTn>
+                  </p:par>
+                </p:childTnLst>
+              </p:cTn>
+              <p:prevCondLst>
+                <p:cond evt="onPrev" delay="0">
+                  <p:tgtEl>
+                    <p:sldTgt/>
+                  </p:tgtEl>
+                </p:cond>
+              </p:prevCondLst>
+              <p:nextCondLst>
+                <p:cond evt="onNext" delay="0">
+                  <p:tgtEl>
+                    <p:sldTgt/>
+                  </p:tgtEl>
+                </p:cond>
+              </p:nextCondLst>
+            </p:seq>
+          </p:childTnLst>
+        </p:cTn>
+      </p:par>
+    </p:tnLst>
+  </p:timing>
+</p:sld>
+</file>
+
+<file path=ppt/slides/slide15.xml><?xml version="1.0" encoding="utf-8"?>
+<p:sld xmlns:a="http://schemas.openxmlformats.org/drawingml/2006/main" xmlns:r="http://schemas.openxmlformats.org/officeDocument/2006/relationships" xmlns:p="http://schemas.openxmlformats.org/presentationml/2006/main">
+  <p:cSld>
+    <p:spTree>
+      <p:nvGrpSpPr>
+        <p:cNvPr id="1" name=""/>
+        <p:cNvGrpSpPr/>
+        <p:nvPr/>
+      </p:nvGrpSpPr>
+      <p:grpSpPr>
+        <a:xfrm>
+          <a:off x="0" y="0"/>
+          <a:ext cx="0" cy="0"/>
+          <a:chOff x="0" y="0"/>
+          <a:chExt cx="0" cy="0"/>
+        </a:xfrm>
+      </p:grpSpPr>
+      <p:sp>
+        <p:nvSpPr>
+          <p:cNvPr id="2" name="Title 1">
+            <a:extLst>
+              <a:ext uri="{FF2B5EF4-FFF2-40B4-BE49-F238E27FC236}">
+                <a16:creationId xmlns:a16="http://schemas.microsoft.com/office/drawing/2014/main" id="{226094DC-16B6-C1C3-FA37-D038F07E7ADF}"/>
+              </a:ext>
+            </a:extLst>
+          </p:cNvPr>
+          <p:cNvSpPr>
+            <a:spLocks noGrp="1"/>
+          </p:cNvSpPr>
+          <p:nvPr>
+            <p:ph type="title"/>
+          </p:nvPr>
+        </p:nvSpPr>
+        <p:spPr>
+          <a:xfrm>
+            <a:off x="838200" y="1542076"/>
+            <a:ext cx="10515600" cy="1325563"/>
+          </a:xfrm>
+        </p:spPr>
+        <p:txBody>
+          <a:bodyPr>
+            <a:noAutofit/>
+          </a:bodyPr>
+          <a:lstStyle/>
+          <a:p>
+            <a:pPr algn="ctr"/>
+            <a:r>
+              <a:rPr lang="hu-HU" sz="5400" dirty="0">
+                <a:ln w="22225">
+                  <a:solidFill>
+                    <a:schemeClr val="tx1"/>
+                  </a:solidFill>
+                  <a:miter lim="800000"/>
+                </a:ln>
+                <a:noFill/>
+              </a:rPr>
+              <a:t>Köszönjük a figyelmet!</a:t>
+            </a:r>
+            <a:endParaRPr lang="en-US" sz="5400" dirty="0">
+              <a:ln w="22225">
+                <a:solidFill>
+                  <a:schemeClr val="tx1"/>
+                </a:solidFill>
+                <a:miter lim="800000"/>
+              </a:ln>
+              <a:noFill/>
+            </a:endParaRPr>
+          </a:p>
+        </p:txBody>
+      </p:sp>
+      <p:sp>
+        <p:nvSpPr>
+          <p:cNvPr id="3" name="Content Placeholder 2">
+            <a:extLst>
+              <a:ext uri="{FF2B5EF4-FFF2-40B4-BE49-F238E27FC236}">
+                <a16:creationId xmlns:a16="http://schemas.microsoft.com/office/drawing/2014/main" id="{D084A9A2-EE07-F5B8-795D-CADECEFC9F93}"/>
+              </a:ext>
+            </a:extLst>
+          </p:cNvPr>
+          <p:cNvSpPr>
+            <a:spLocks noGrp="1"/>
+          </p:cNvSpPr>
+          <p:nvPr>
+            <p:ph idx="1"/>
+          </p:nvPr>
+        </p:nvSpPr>
+        <p:spPr>
+          <a:xfrm>
+            <a:off x="4867369" y="3990362"/>
+            <a:ext cx="2457261" cy="1958724"/>
+          </a:xfrm>
+        </p:spPr>
+        <p:txBody>
+          <a:bodyPr>
+            <a:normAutofit fontScale="92500" lnSpcReduction="20000"/>
+          </a:bodyPr>
+          <a:lstStyle/>
+          <a:p>
+            <a:pPr marL="0" indent="0">
+              <a:buNone/>
+            </a:pPr>
+            <a:r>
+              <a:rPr lang="hu-HU" sz="1800" dirty="0"/>
+              <a:t>The </a:t>
+            </a:r>
+            <a:r>
+              <a:rPr lang="hu-HU" sz="1800" dirty="0" err="1"/>
+              <a:t>Barn</a:t>
+            </a:r>
+            <a:r>
+              <a:rPr lang="hu-HU" sz="1800" dirty="0"/>
+              <a:t> projekt tagok:</a:t>
+            </a:r>
+          </a:p>
+          <a:p>
+            <a:pPr marL="0" indent="0">
+              <a:buNone/>
+            </a:pPr>
+            <a:endParaRPr lang="hu-HU" sz="1800" dirty="0"/>
+          </a:p>
+          <a:p>
+            <a:pPr marL="0" indent="0" algn="ctr">
+              <a:buNone/>
+            </a:pPr>
+            <a:r>
+              <a:rPr lang="hu-HU" sz="1800" dirty="0"/>
+              <a:t>Németh Hunor</a:t>
+            </a:r>
+          </a:p>
+          <a:p>
+            <a:pPr marL="0" indent="0" algn="ctr">
+              <a:buNone/>
+            </a:pPr>
+            <a:r>
+              <a:rPr lang="hu-HU" sz="1800" dirty="0"/>
+              <a:t>Csutak Dávid</a:t>
+            </a:r>
+          </a:p>
+          <a:p>
+            <a:pPr marL="0" indent="0" algn="ctr">
+              <a:buNone/>
+            </a:pPr>
+            <a:r>
+              <a:rPr lang="hu-HU" sz="1800" dirty="0"/>
+              <a:t>Kertész Márk</a:t>
+            </a:r>
+          </a:p>
+          <a:p>
+            <a:pPr marL="0" indent="0" algn="ctr">
+              <a:buNone/>
+            </a:pPr>
+            <a:r>
+              <a:rPr lang="hu-HU" sz="1800" dirty="0"/>
+              <a:t>Barna Mátyás</a:t>
+            </a:r>
+            <a:endParaRPr lang="en-US" sz="1800" dirty="0"/>
+          </a:p>
+        </p:txBody>
+      </p:sp>
+    </p:spTree>
+    <p:extLst>
+      <p:ext uri="{BB962C8B-B14F-4D97-AF65-F5344CB8AC3E}">
+        <p14:creationId xmlns:p14="http://schemas.microsoft.com/office/powerpoint/2010/main" val="1549524452"/>
+      </p:ext>
+    </p:extLst>
+  </p:cSld>
+  <p:clrMapOvr>
+    <a:masterClrMapping/>
+  </p:clrMapOvr>
+  <p:timing>
+    <p:tnLst>
+      <p:par>
+        <p:cTn id="1" dur="indefinite" restart="never" nodeType="tmRoot">
+          <p:childTnLst>
+            <p:seq concurrent="1" nextAc="seek">
+              <p:cTn id="2" dur="indefinite" nodeType="mainSeq">
+                <p:childTnLst>
+                  <p:par>
+                    <p:cTn id="3" fill="hold">
+                      <p:stCondLst>
+                        <p:cond delay="indefinite"/>
+                        <p:cond evt="onBegin" delay="0">
+                          <p:tn val="2"/>
+                        </p:cond>
+                      </p:stCondLst>
+                      <p:childTnLst>
+                        <p:par>
+                          <p:cTn id="4" fill="hold">
+                            <p:stCondLst>
+                              <p:cond delay="0"/>
+                            </p:stCondLst>
+                            <p:childTnLst>
+                              <p:par>
+                                <p:cTn id="5" presetID="10" presetClass="entr" presetSubtype="0" fill="hold" nodeType="withEffect">
+                                  <p:stCondLst>
+                                    <p:cond delay="3000"/>
+                                  </p:stCondLst>
+                                  <p:childTnLst>
+                                    <p:set>
+                                      <p:cBhvr>
+                                        <p:cTn id="6" dur="1" fill="hold">
+                                          <p:stCondLst>
+                                            <p:cond delay="0"/>
+                                          </p:stCondLst>
+                                        </p:cTn>
+                                        <p:tgtEl>
+                                          <p:spTgt spid="3">
+                                            <p:txEl>
+                                              <p:pRg st="0" end="0"/>
+                                            </p:txEl>
+                                          </p:spTgt>
+                                        </p:tgtEl>
+                                        <p:attrNameLst>
+                                          <p:attrName>style.visibility</p:attrName>
+                                        </p:attrNameLst>
+                                      </p:cBhvr>
+                                      <p:to>
+                                        <p:strVal val="visible"/>
+                                      </p:to>
+                                    </p:set>
+                                    <p:animEffect transition="in" filter="fade">
+                                      <p:cBhvr>
+                                        <p:cTn id="7" dur="1000"/>
+                                        <p:tgtEl>
+                                          <p:spTgt spid="3">
+                                            <p:txEl>
+                                              <p:pRg st="0" end="0"/>
+                                            </p:txEl>
+                                          </p:spTgt>
+                                        </p:tgtEl>
+                                      </p:cBhvr>
+                                    </p:animEffect>
+                                  </p:childTnLst>
+                                </p:cTn>
+                              </p:par>
+                            </p:childTnLst>
+                          </p:cTn>
+                        </p:par>
+                        <p:par>
+                          <p:cTn id="8" fill="hold">
+                            <p:stCondLst>
+                              <p:cond delay="4000"/>
+                            </p:stCondLst>
+                            <p:childTnLst>
+                              <p:par>
+                                <p:cTn id="9" presetID="10" presetClass="entr" presetSubtype="0" fill="hold" nodeType="afterEffect">
+                                  <p:stCondLst>
+                                    <p:cond delay="0"/>
+                                  </p:stCondLst>
+                                  <p:childTnLst>
+                                    <p:set>
+                                      <p:cBhvr>
+                                        <p:cTn id="10" dur="1" fill="hold">
+                                          <p:stCondLst>
+                                            <p:cond delay="0"/>
+                                          </p:stCondLst>
+                                        </p:cTn>
+                                        <p:tgtEl>
+                                          <p:spTgt spid="3">
+                                            <p:txEl>
+                                              <p:pRg st="2" end="2"/>
+                                            </p:txEl>
+                                          </p:spTgt>
+                                        </p:tgtEl>
+                                        <p:attrNameLst>
+                                          <p:attrName>style.visibility</p:attrName>
+                                        </p:attrNameLst>
+                                      </p:cBhvr>
+                                      <p:to>
+                                        <p:strVal val="visible"/>
+                                      </p:to>
+                                    </p:set>
+                                    <p:animEffect transition="in" filter="fade">
+                                      <p:cBhvr>
+                                        <p:cTn id="11" dur="1000"/>
+                                        <p:tgtEl>
+                                          <p:spTgt spid="3">
+                                            <p:txEl>
+                                              <p:pRg st="2" end="2"/>
+                                            </p:txEl>
+                                          </p:spTgt>
+                                        </p:tgtEl>
+                                      </p:cBhvr>
+                                    </p:animEffect>
+                                  </p:childTnLst>
+                                </p:cTn>
+                              </p:par>
+                            </p:childTnLst>
+                          </p:cTn>
+                        </p:par>
+                        <p:par>
+                          <p:cTn id="12" fill="hold">
+                            <p:stCondLst>
+                              <p:cond delay="5000"/>
+                            </p:stCondLst>
+                            <p:childTnLst>
+                              <p:par>
+                                <p:cTn id="13" presetID="10" presetClass="entr" presetSubtype="0" fill="hold" nodeType="afterEffect">
+                                  <p:stCondLst>
+                                    <p:cond delay="0"/>
+                                  </p:stCondLst>
+                                  <p:childTnLst>
+                                    <p:set>
+                                      <p:cBhvr>
+                                        <p:cTn id="14" dur="1" fill="hold">
+                                          <p:stCondLst>
+                                            <p:cond delay="0"/>
+                                          </p:stCondLst>
+                                        </p:cTn>
+                                        <p:tgtEl>
+                                          <p:spTgt spid="3">
+                                            <p:txEl>
+                                              <p:pRg st="3" end="3"/>
+                                            </p:txEl>
+                                          </p:spTgt>
+                                        </p:tgtEl>
+                                        <p:attrNameLst>
+                                          <p:attrName>style.visibility</p:attrName>
+                                        </p:attrNameLst>
+                                      </p:cBhvr>
+                                      <p:to>
+                                        <p:strVal val="visible"/>
+                                      </p:to>
+                                    </p:set>
+                                    <p:animEffect transition="in" filter="fade">
+                                      <p:cBhvr>
+                                        <p:cTn id="15" dur="1000"/>
+                                        <p:tgtEl>
+                                          <p:spTgt spid="3">
+                                            <p:txEl>
+                                              <p:pRg st="3" end="3"/>
+                                            </p:txEl>
+                                          </p:spTgt>
+                                        </p:tgtEl>
+                                      </p:cBhvr>
+                                    </p:animEffect>
+                                  </p:childTnLst>
+                                </p:cTn>
+                              </p:par>
+                            </p:childTnLst>
+                          </p:cTn>
+                        </p:par>
+                        <p:par>
+                          <p:cTn id="16" fill="hold">
+                            <p:stCondLst>
+                              <p:cond delay="6000"/>
+                            </p:stCondLst>
+                            <p:childTnLst>
+                              <p:par>
+                                <p:cTn id="17" presetID="10" presetClass="entr" presetSubtype="0" fill="hold" nodeType="afterEffect">
+                                  <p:stCondLst>
+                                    <p:cond delay="0"/>
+                                  </p:stCondLst>
+                                  <p:childTnLst>
+                                    <p:set>
+                                      <p:cBhvr>
+                                        <p:cTn id="18" dur="1" fill="hold">
+                                          <p:stCondLst>
+                                            <p:cond delay="0"/>
+                                          </p:stCondLst>
+                                        </p:cTn>
+                                        <p:tgtEl>
+                                          <p:spTgt spid="3">
+                                            <p:txEl>
+                                              <p:pRg st="4" end="4"/>
+                                            </p:txEl>
+                                          </p:spTgt>
+                                        </p:tgtEl>
+                                        <p:attrNameLst>
+                                          <p:attrName>style.visibility</p:attrName>
+                                        </p:attrNameLst>
+                                      </p:cBhvr>
+                                      <p:to>
+                                        <p:strVal val="visible"/>
+                                      </p:to>
+                                    </p:set>
+                                    <p:animEffect transition="in" filter="fade">
+                                      <p:cBhvr>
+                                        <p:cTn id="19" dur="1000"/>
+                                        <p:tgtEl>
+                                          <p:spTgt spid="3">
+                                            <p:txEl>
+                                              <p:pRg st="4" end="4"/>
+                                            </p:txEl>
+                                          </p:spTgt>
+                                        </p:tgtEl>
+                                      </p:cBhvr>
+                                    </p:animEffect>
+                                  </p:childTnLst>
+                                </p:cTn>
+                              </p:par>
+                            </p:childTnLst>
+                          </p:cTn>
+                        </p:par>
+                        <p:par>
+                          <p:cTn id="20" fill="hold">
+                            <p:stCondLst>
+                              <p:cond delay="7000"/>
+                            </p:stCondLst>
+                            <p:childTnLst>
+                              <p:par>
+                                <p:cTn id="21" presetID="10" presetClass="entr" presetSubtype="0" fill="hold" nodeType="afterEffect">
+                                  <p:stCondLst>
+                                    <p:cond delay="0"/>
+                                  </p:stCondLst>
+                                  <p:childTnLst>
+                                    <p:set>
+                                      <p:cBhvr>
+                                        <p:cTn id="22" dur="1" fill="hold">
+                                          <p:stCondLst>
+                                            <p:cond delay="0"/>
+                                          </p:stCondLst>
+                                        </p:cTn>
+                                        <p:tgtEl>
+                                          <p:spTgt spid="3">
+                                            <p:txEl>
+                                              <p:pRg st="5" end="5"/>
+                                            </p:txEl>
+                                          </p:spTgt>
+                                        </p:tgtEl>
+                                        <p:attrNameLst>
+                                          <p:attrName>style.visibility</p:attrName>
+                                        </p:attrNameLst>
+                                      </p:cBhvr>
+                                      <p:to>
+                                        <p:strVal val="visible"/>
+                                      </p:to>
+                                    </p:set>
+                                    <p:animEffect transition="in" filter="fade">
+                                      <p:cBhvr>
+                                        <p:cTn id="23" dur="1000"/>
+                                        <p:tgtEl>
+                                          <p:spTgt spid="3">
+                                            <p:txEl>
+                                              <p:pRg st="5" end="5"/>
+                                            </p:txEl>
+                                          </p:spTgt>
+                                        </p:tgtEl>
+                                      </p:cBhvr>
+                                    </p:animEffect>
+                                  </p:childTnLst>
+                                </p:cTn>
+                              </p:par>
+                            </p:childTnLst>
+                          </p:cTn>
+                        </p:par>
+                      </p:childTnLst>
+                    </p:cTn>
+                  </p:par>
+                </p:childTnLst>
+              </p:cTn>
+              <p:prevCondLst>
+                <p:cond evt="onPrev" delay="0">
+                  <p:tgtEl>
+                    <p:sldTgt/>
+                  </p:tgtEl>
+                </p:cond>
+              </p:prevCondLst>
+              <p:nextCondLst>
+                <p:cond evt="onNext" delay="0">
+                  <p:tgtEl>
+                    <p:sldTgt/>
+                  </p:tgtEl>
+                </p:cond>
+              </p:nextCondLst>
+            </p:seq>
+          </p:childTnLst>
+        </p:cTn>
+      </p:par>
+    </p:tnLst>
   </p:timing>
 </p:sld>
 </file>
@@ -4282,6 +5646,28 @@
             </a:r>
           </a:p>
           <a:p>
+            <a:pPr lvl="1"/>
+            <a:r>
+              <a:rPr lang="hu-HU" dirty="0"/>
+              <a:t>H2 </a:t>
+            </a:r>
+            <a:r>
+              <a:rPr lang="hu-HU" dirty="0" err="1"/>
+              <a:t>Database</a:t>
+            </a:r>
+            <a:r>
+              <a:rPr lang="hu-HU" dirty="0"/>
+              <a:t> JPA</a:t>
+            </a:r>
+          </a:p>
+          <a:p>
+            <a:pPr lvl="1"/>
+            <a:r>
+              <a:rPr lang="hu-HU" dirty="0"/>
+              <a:t>Lombok</a:t>
+            </a:r>
+          </a:p>
+          <a:p>
             <a:r>
               <a:rPr lang="hu-HU" dirty="0" err="1"/>
               <a:t>Apache</a:t>
@@ -4526,552 +5912,15 @@
                                   </p:childTnLst>
                                 </p:cTn>
                               </p:par>
-                            </p:childTnLst>
-                          </p:cTn>
-                        </p:par>
-                      </p:childTnLst>
-                    </p:cTn>
-                  </p:par>
-                </p:childTnLst>
-              </p:cTn>
-              <p:prevCondLst>
-                <p:cond evt="onPrev" delay="0">
-                  <p:tgtEl>
-                    <p:sldTgt/>
-                  </p:tgtEl>
-                </p:cond>
-              </p:prevCondLst>
-              <p:nextCondLst>
-                <p:cond evt="onNext" delay="0">
-                  <p:tgtEl>
-                    <p:sldTgt/>
-                  </p:tgtEl>
-                </p:cond>
-              </p:nextCondLst>
-            </p:seq>
-          </p:childTnLst>
-        </p:cTn>
-      </p:par>
-    </p:tnLst>
-  </p:timing>
-</p:sld>
-</file>
-
-<file path=ppt/slides/slide4.xml><?xml version="1.0" encoding="utf-8"?>
-<p:sld xmlns:a="http://schemas.openxmlformats.org/drawingml/2006/main" xmlns:r="http://schemas.openxmlformats.org/officeDocument/2006/relationships" xmlns:p="http://schemas.openxmlformats.org/presentationml/2006/main">
-  <p:cSld>
-    <p:spTree>
-      <p:nvGrpSpPr>
-        <p:cNvPr id="1" name=""/>
-        <p:cNvGrpSpPr/>
-        <p:nvPr/>
-      </p:nvGrpSpPr>
-      <p:grpSpPr>
-        <a:xfrm>
-          <a:off x="0" y="0"/>
-          <a:ext cx="0" cy="0"/>
-          <a:chOff x="0" y="0"/>
-          <a:chExt cx="0" cy="0"/>
-        </a:xfrm>
-      </p:grpSpPr>
-      <p:sp>
-        <p:nvSpPr>
-          <p:cNvPr id="2" name="Title 1">
-            <a:extLst>
-              <a:ext uri="{FF2B5EF4-FFF2-40B4-BE49-F238E27FC236}">
-                <a16:creationId xmlns:a16="http://schemas.microsoft.com/office/drawing/2014/main" id="{71BAD695-B48F-B38B-6E3D-E892D4710DC6}"/>
-              </a:ext>
-            </a:extLst>
-          </p:cNvPr>
-          <p:cNvSpPr>
-            <a:spLocks noGrp="1"/>
-          </p:cNvSpPr>
-          <p:nvPr>
-            <p:ph type="title"/>
-          </p:nvPr>
-        </p:nvSpPr>
-        <p:spPr>
-          <a:xfrm>
-            <a:off x="838200" y="215881"/>
-            <a:ext cx="10515600" cy="1325563"/>
-          </a:xfrm>
-        </p:spPr>
-        <p:txBody>
-          <a:bodyPr>
-            <a:noAutofit/>
-          </a:bodyPr>
-          <a:lstStyle/>
-          <a:p>
-            <a:pPr algn="ctr"/>
-            <a:r>
-              <a:rPr lang="hu-HU" sz="4800" dirty="0">
-                <a:ln w="22225">
-                  <a:solidFill>
-                    <a:schemeClr val="tx1"/>
-                  </a:solidFill>
-                  <a:miter lim="800000"/>
-                </a:ln>
-                <a:noFill/>
-              </a:rPr>
-              <a:t>A tesztekről</a:t>
-            </a:r>
-            <a:endParaRPr lang="en-US" sz="4800" dirty="0">
-              <a:ln w="22225">
-                <a:solidFill>
-                  <a:schemeClr val="tx1"/>
-                </a:solidFill>
-                <a:miter lim="800000"/>
-              </a:ln>
-              <a:noFill/>
-            </a:endParaRPr>
-          </a:p>
-        </p:txBody>
-      </p:sp>
-      <p:pic>
-        <p:nvPicPr>
-          <p:cNvPr id="5" name="Kép 4">
-            <a:extLst>
-              <a:ext uri="{FF2B5EF4-FFF2-40B4-BE49-F238E27FC236}">
-                <a16:creationId xmlns:a16="http://schemas.microsoft.com/office/drawing/2014/main" id="{2F14273D-7436-24B1-ADE9-33FFBD957C60}"/>
-              </a:ext>
-            </a:extLst>
-          </p:cNvPr>
-          <p:cNvPicPr>
-            <a:picLocks noChangeAspect="1"/>
-          </p:cNvPicPr>
-          <p:nvPr/>
-        </p:nvPicPr>
-        <p:blipFill>
-          <a:blip r:embed="rId2"/>
-          <a:stretch>
-            <a:fillRect/>
-          </a:stretch>
-        </p:blipFill>
-        <p:spPr>
-          <a:xfrm>
-            <a:off x="30264" y="2575444"/>
-            <a:ext cx="12161736" cy="2380869"/>
-          </a:xfrm>
-          <a:prstGeom prst="rect">
-            <a:avLst/>
-          </a:prstGeom>
-        </p:spPr>
-      </p:pic>
-    </p:spTree>
-    <p:extLst>
-      <p:ext uri="{BB962C8B-B14F-4D97-AF65-F5344CB8AC3E}">
-        <p14:creationId xmlns:p14="http://schemas.microsoft.com/office/powerpoint/2010/main" val="2075039678"/>
-      </p:ext>
-    </p:extLst>
-  </p:cSld>
-  <p:clrMapOvr>
-    <a:masterClrMapping/>
-  </p:clrMapOvr>
-</p:sld>
-</file>
-
-<file path=ppt/slides/slide5.xml><?xml version="1.0" encoding="utf-8"?>
-<p:sld xmlns:a="http://schemas.openxmlformats.org/drawingml/2006/main" xmlns:r="http://schemas.openxmlformats.org/officeDocument/2006/relationships" xmlns:p="http://schemas.openxmlformats.org/presentationml/2006/main">
-  <p:cSld>
-    <p:spTree>
-      <p:nvGrpSpPr>
-        <p:cNvPr id="1" name="">
-          <a:extLst>
-            <a:ext uri="{FF2B5EF4-FFF2-40B4-BE49-F238E27FC236}">
-              <a16:creationId xmlns:a16="http://schemas.microsoft.com/office/drawing/2014/main" id="{9187FAED-0B10-525E-5872-814BB0A7EDA1}"/>
-            </a:ext>
-          </a:extLst>
-        </p:cNvPr>
-        <p:cNvGrpSpPr/>
-        <p:nvPr/>
-      </p:nvGrpSpPr>
-      <p:grpSpPr>
-        <a:xfrm>
-          <a:off x="0" y="0"/>
-          <a:ext cx="0" cy="0"/>
-          <a:chOff x="0" y="0"/>
-          <a:chExt cx="0" cy="0"/>
-        </a:xfrm>
-      </p:grpSpPr>
-      <p:sp>
-        <p:nvSpPr>
-          <p:cNvPr id="2" name="Title 1">
-            <a:extLst>
-              <a:ext uri="{FF2B5EF4-FFF2-40B4-BE49-F238E27FC236}">
-                <a16:creationId xmlns:a16="http://schemas.microsoft.com/office/drawing/2014/main" id="{BB27E8DB-EF30-01A3-D55E-949DD98AD737}"/>
-              </a:ext>
-            </a:extLst>
-          </p:cNvPr>
-          <p:cNvSpPr>
-            <a:spLocks noGrp="1"/>
-          </p:cNvSpPr>
-          <p:nvPr>
-            <p:ph type="title"/>
-          </p:nvPr>
-        </p:nvSpPr>
-        <p:spPr>
-          <a:xfrm>
-            <a:off x="838200" y="215881"/>
-            <a:ext cx="10515600" cy="1325563"/>
-          </a:xfrm>
-        </p:spPr>
-        <p:txBody>
-          <a:bodyPr>
-            <a:noAutofit/>
-          </a:bodyPr>
-          <a:lstStyle/>
-          <a:p>
-            <a:pPr algn="ctr"/>
-            <a:r>
-              <a:rPr lang="hu-HU" sz="4800" dirty="0">
-                <a:ln w="22225">
-                  <a:solidFill>
-                    <a:schemeClr val="tx1"/>
-                  </a:solidFill>
-                  <a:miter lim="800000"/>
-                </a:ln>
-                <a:noFill/>
-              </a:rPr>
-              <a:t>A tesztekről</a:t>
-            </a:r>
-            <a:endParaRPr lang="en-US" sz="4800" dirty="0">
-              <a:ln w="22225">
-                <a:solidFill>
-                  <a:schemeClr val="tx1"/>
-                </a:solidFill>
-                <a:miter lim="800000"/>
-              </a:ln>
-              <a:noFill/>
-            </a:endParaRPr>
-          </a:p>
-        </p:txBody>
-      </p:sp>
-      <p:pic>
-        <p:nvPicPr>
-          <p:cNvPr id="3" name="Kép 2">
-            <a:extLst>
-              <a:ext uri="{FF2B5EF4-FFF2-40B4-BE49-F238E27FC236}">
-                <a16:creationId xmlns:a16="http://schemas.microsoft.com/office/drawing/2014/main" id="{17380AF8-03B5-9AC6-8549-03D1847E0AAF}"/>
-              </a:ext>
-            </a:extLst>
-          </p:cNvPr>
-          <p:cNvPicPr>
-            <a:picLocks noChangeAspect="1"/>
-          </p:cNvPicPr>
-          <p:nvPr/>
-        </p:nvPicPr>
-        <p:blipFill>
-          <a:blip r:embed="rId2"/>
-          <a:stretch>
-            <a:fillRect/>
-          </a:stretch>
-        </p:blipFill>
-        <p:spPr>
-          <a:xfrm>
-            <a:off x="78363" y="1891688"/>
-            <a:ext cx="12113637" cy="3965773"/>
-          </a:xfrm>
-          <a:prstGeom prst="rect">
-            <a:avLst/>
-          </a:prstGeom>
-        </p:spPr>
-      </p:pic>
-    </p:spTree>
-    <p:extLst>
-      <p:ext uri="{BB962C8B-B14F-4D97-AF65-F5344CB8AC3E}">
-        <p14:creationId xmlns:p14="http://schemas.microsoft.com/office/powerpoint/2010/main" val="553131486"/>
-      </p:ext>
-    </p:extLst>
-  </p:cSld>
-  <p:clrMapOvr>
-    <a:masterClrMapping/>
-  </p:clrMapOvr>
-</p:sld>
-</file>
-
-<file path=ppt/slides/slide6.xml><?xml version="1.0" encoding="utf-8"?>
-<p:sld xmlns:a="http://schemas.openxmlformats.org/drawingml/2006/main" xmlns:r="http://schemas.openxmlformats.org/officeDocument/2006/relationships" xmlns:p="http://schemas.openxmlformats.org/presentationml/2006/main">
-  <p:cSld>
-    <p:spTree>
-      <p:nvGrpSpPr>
-        <p:cNvPr id="1" name=""/>
-        <p:cNvGrpSpPr/>
-        <p:nvPr/>
-      </p:nvGrpSpPr>
-      <p:grpSpPr>
-        <a:xfrm>
-          <a:off x="0" y="0"/>
-          <a:ext cx="0" cy="0"/>
-          <a:chOff x="0" y="0"/>
-          <a:chExt cx="0" cy="0"/>
-        </a:xfrm>
-      </p:grpSpPr>
-      <p:sp>
-        <p:nvSpPr>
-          <p:cNvPr id="2" name="Cím 1">
-            <a:extLst>
-              <a:ext uri="{FF2B5EF4-FFF2-40B4-BE49-F238E27FC236}">
-                <a16:creationId xmlns:a16="http://schemas.microsoft.com/office/drawing/2014/main" id="{8A4FCC4A-3AE2-E21F-CB6A-545E22F40061}"/>
-              </a:ext>
-            </a:extLst>
-          </p:cNvPr>
-          <p:cNvSpPr>
-            <a:spLocks noGrp="1"/>
-          </p:cNvSpPr>
-          <p:nvPr>
-            <p:ph type="title"/>
-          </p:nvPr>
-        </p:nvSpPr>
-        <p:spPr>
-          <a:xfrm>
-            <a:off x="838200" y="2766218"/>
-            <a:ext cx="10515600" cy="1325563"/>
-          </a:xfrm>
-        </p:spPr>
-        <p:txBody>
-          <a:bodyPr/>
-          <a:lstStyle/>
-          <a:p>
-            <a:pPr algn="ctr"/>
-            <a:r>
-              <a:rPr lang="hu-HU" dirty="0"/>
-              <a:t>Élő prezentáció</a:t>
-            </a:r>
-          </a:p>
-        </p:txBody>
-      </p:sp>
-    </p:spTree>
-    <p:extLst>
-      <p:ext uri="{BB962C8B-B14F-4D97-AF65-F5344CB8AC3E}">
-        <p14:creationId xmlns:p14="http://schemas.microsoft.com/office/powerpoint/2010/main" val="2696080112"/>
-      </p:ext>
-    </p:extLst>
-  </p:cSld>
-  <p:clrMapOvr>
-    <a:masterClrMapping/>
-  </p:clrMapOvr>
-</p:sld>
-</file>
-
-<file path=ppt/slides/slide7.xml><?xml version="1.0" encoding="utf-8"?>
-<p:sld xmlns:a="http://schemas.openxmlformats.org/drawingml/2006/main" xmlns:r="http://schemas.openxmlformats.org/officeDocument/2006/relationships" xmlns:p="http://schemas.openxmlformats.org/presentationml/2006/main">
-  <p:cSld>
-    <p:bg>
-      <p:bgPr>
-        <a:blipFill dpi="0" rotWithShape="1">
-          <a:blip r:embed="rId2">
-            <a:alphaModFix amt="70000"/>
-            <a:lum/>
-          </a:blip>
-          <a:srcRect/>
-          <a:stretch>
-            <a:fillRect/>
-          </a:stretch>
-        </a:blipFill>
-        <a:effectLst/>
-      </p:bgPr>
-    </p:bg>
-    <p:spTree>
-      <p:nvGrpSpPr>
-        <p:cNvPr id="1" name="">
-          <a:extLst>
-            <a:ext uri="{FF2B5EF4-FFF2-40B4-BE49-F238E27FC236}">
-              <a16:creationId xmlns:a16="http://schemas.microsoft.com/office/drawing/2014/main" id="{0636169D-83E6-C028-0FCE-B79622A21687}"/>
-            </a:ext>
-          </a:extLst>
-        </p:cNvPr>
-        <p:cNvGrpSpPr/>
-        <p:nvPr/>
-      </p:nvGrpSpPr>
-      <p:grpSpPr>
-        <a:xfrm>
-          <a:off x="0" y="0"/>
-          <a:ext cx="0" cy="0"/>
-          <a:chOff x="0" y="0"/>
-          <a:chExt cx="0" cy="0"/>
-        </a:xfrm>
-      </p:grpSpPr>
-      <p:sp>
-        <p:nvSpPr>
-          <p:cNvPr id="5" name="Title 4">
-            <a:extLst>
-              <a:ext uri="{FF2B5EF4-FFF2-40B4-BE49-F238E27FC236}">
-                <a16:creationId xmlns:a16="http://schemas.microsoft.com/office/drawing/2014/main" id="{F13513F5-BD25-4E96-B6D1-F22CC4018F27}"/>
-              </a:ext>
-            </a:extLst>
-          </p:cNvPr>
-          <p:cNvSpPr>
-            <a:spLocks noGrp="1"/>
-          </p:cNvSpPr>
-          <p:nvPr>
-            <p:ph type="title"/>
-          </p:nvPr>
-        </p:nvSpPr>
-        <p:spPr>
-          <a:xfrm>
-            <a:off x="838200" y="500062"/>
-            <a:ext cx="10515600" cy="1325563"/>
-          </a:xfrm>
-        </p:spPr>
-        <p:txBody>
-          <a:bodyPr>
-            <a:normAutofit/>
-          </a:bodyPr>
-          <a:lstStyle/>
-          <a:p>
-            <a:r>
-              <a:rPr lang="en-US" sz="4000" dirty="0" err="1">
-                <a:ln w="22225">
-                  <a:solidFill>
-                    <a:schemeClr val="tx1"/>
-                  </a:solidFill>
-                  <a:miter lim="800000"/>
-                </a:ln>
-                <a:noFill/>
-              </a:rPr>
-              <a:t>Általános</a:t>
-            </a:r>
-            <a:r>
-              <a:rPr lang="en-US" sz="4000" dirty="0">
-                <a:ln w="22225">
-                  <a:solidFill>
-                    <a:schemeClr val="tx1"/>
-                  </a:solidFill>
-                  <a:miter lim="800000"/>
-                </a:ln>
-                <a:noFill/>
-              </a:rPr>
-              <a:t> </a:t>
-            </a:r>
-            <a:r>
-              <a:rPr lang="en-US" sz="4000" dirty="0" err="1">
-                <a:ln w="22225">
-                  <a:solidFill>
-                    <a:schemeClr val="tx1"/>
-                  </a:solidFill>
-                  <a:miter lim="800000"/>
-                </a:ln>
-                <a:noFill/>
-              </a:rPr>
-              <a:t>tapasztalatok</a:t>
-            </a:r>
-            <a:r>
-              <a:rPr lang="en-US" sz="4000" dirty="0">
-                <a:ln w="22225">
-                  <a:solidFill>
-                    <a:schemeClr val="tx1"/>
-                  </a:solidFill>
-                  <a:miter lim="800000"/>
-                </a:ln>
-                <a:noFill/>
-              </a:rPr>
-              <a:t>:</a:t>
-            </a:r>
-            <a:br>
-              <a:rPr lang="hu-HU" dirty="0"/>
-            </a:br>
-            <a:endParaRPr lang="en-US" dirty="0"/>
-          </a:p>
-        </p:txBody>
-      </p:sp>
-      <p:sp>
-        <p:nvSpPr>
-          <p:cNvPr id="3" name="Content Placeholder 2">
-            <a:extLst>
-              <a:ext uri="{FF2B5EF4-FFF2-40B4-BE49-F238E27FC236}">
-                <a16:creationId xmlns:a16="http://schemas.microsoft.com/office/drawing/2014/main" id="{6696E27E-9BAA-0623-6EAE-FECA2648BAEF}"/>
-              </a:ext>
-            </a:extLst>
-          </p:cNvPr>
-          <p:cNvSpPr>
-            <a:spLocks noGrp="1"/>
-          </p:cNvSpPr>
-          <p:nvPr>
-            <p:ph idx="1"/>
-          </p:nvPr>
-        </p:nvSpPr>
-        <p:spPr>
-          <a:xfrm>
-            <a:off x="198783" y="1480667"/>
-            <a:ext cx="10515600" cy="4351338"/>
-          </a:xfrm>
-        </p:spPr>
-        <p:txBody>
-          <a:bodyPr>
-            <a:normAutofit/>
-          </a:bodyPr>
-          <a:lstStyle/>
-          <a:p>
-            <a:endParaRPr lang="hu-HU" dirty="0"/>
-          </a:p>
-          <a:p>
-            <a:r>
-              <a:rPr lang="hu-HU" dirty="0"/>
-              <a:t>Könnyű vakvágányra futni fejlesztés során</a:t>
-            </a:r>
-          </a:p>
-          <a:p>
-            <a:r>
-              <a:rPr lang="hu-HU" dirty="0"/>
-              <a:t>Megfelelő technológia kiválasztása</a:t>
-            </a:r>
-          </a:p>
-          <a:p>
-            <a:r>
-              <a:rPr lang="hu-HU" dirty="0"/>
-              <a:t>Más elképzelések -&gt;  vicces szituk</a:t>
-            </a:r>
-          </a:p>
-          <a:p>
-            <a:r>
-              <a:rPr lang="hu-HU" dirty="0"/>
-              <a:t>Szervezettség kérdése</a:t>
-            </a:r>
-          </a:p>
-        </p:txBody>
-      </p:sp>
-    </p:spTree>
-    <p:extLst>
-      <p:ext uri="{BB962C8B-B14F-4D97-AF65-F5344CB8AC3E}">
-        <p14:creationId xmlns:p14="http://schemas.microsoft.com/office/powerpoint/2010/main" val="4035370961"/>
-      </p:ext>
-    </p:extLst>
-  </p:cSld>
-  <p:clrMapOvr>
-    <a:masterClrMapping/>
-  </p:clrMapOvr>
-  <p:timing>
-    <p:tnLst>
-      <p:par>
-        <p:cTn id="1" dur="indefinite" restart="never" nodeType="tmRoot">
-          <p:childTnLst>
-            <p:seq concurrent="1" nextAc="seek">
-              <p:cTn id="2" dur="indefinite" nodeType="mainSeq">
-                <p:childTnLst>
-                  <p:par>
-                    <p:cTn id="3" fill="hold">
-                      <p:stCondLst>
-                        <p:cond delay="indefinite"/>
-                        <p:cond evt="onBegin" delay="0">
-                          <p:tn val="2"/>
-                        </p:cond>
-                      </p:stCondLst>
-                      <p:childTnLst>
-                        <p:par>
-                          <p:cTn id="4" fill="hold">
-                            <p:stCondLst>
-                              <p:cond delay="0"/>
-                            </p:stCondLst>
-                            <p:childTnLst>
                               <p:par>
-                                <p:cTn id="5" presetID="22" presetClass="entr" presetSubtype="8" fill="hold" nodeType="withEffect">
+                                <p:cTn id="17" presetID="22" presetClass="entr" presetSubtype="8" fill="hold" nodeType="withEffect">
                                   <p:stCondLst>
                                     <p:cond delay="0"/>
                                   </p:stCondLst>
                                   <p:childTnLst>
                                     <p:set>
                                       <p:cBhvr>
-                                        <p:cTn id="6" dur="1" fill="hold">
+                                        <p:cTn id="18" dur="1" fill="hold">
                                           <p:stCondLst>
                                             <p:cond delay="0"/>
                                           </p:stCondLst>
@@ -5079,7 +5928,7 @@
                                         <p:tgtEl>
                                           <p:spTgt spid="3">
                                             <p:txEl>
-                                              <p:pRg st="1" end="1"/>
+                                              <p:pRg st="5" end="5"/>
                                             </p:txEl>
                                           </p:spTgt>
                                         </p:tgtEl>
@@ -5093,11 +5942,11 @@
                                     </p:set>
                                     <p:animEffect transition="in" filter="wipe(left)">
                                       <p:cBhvr>
-                                        <p:cTn id="7" dur="1500"/>
+                                        <p:cTn id="19" dur="1500"/>
                                         <p:tgtEl>
                                           <p:spTgt spid="3">
                                             <p:txEl>
-                                              <p:pRg st="1" end="1"/>
+                                              <p:pRg st="5" end="5"/>
                                             </p:txEl>
                                           </p:spTgt>
                                         </p:tgtEl>
@@ -5107,14 +5956,14 @@
                                 </p:cTn>
                               </p:par>
                               <p:par>
-                                <p:cTn id="8" presetID="22" presetClass="entr" presetSubtype="8" fill="hold" nodeType="withEffect">
+                                <p:cTn id="20" presetID="22" presetClass="entr" presetSubtype="8" fill="hold" nodeType="withEffect">
                                   <p:stCondLst>
                                     <p:cond delay="0"/>
                                   </p:stCondLst>
                                   <p:childTnLst>
                                     <p:set>
                                       <p:cBhvr>
-                                        <p:cTn id="9" dur="1" fill="hold">
+                                        <p:cTn id="21" dur="1" fill="hold">
                                           <p:stCondLst>
                                             <p:cond delay="0"/>
                                           </p:stCondLst>
@@ -5122,7 +5971,7 @@
                                         <p:tgtEl>
                                           <p:spTgt spid="3">
                                             <p:txEl>
-                                              <p:pRg st="2" end="2"/>
+                                              <p:pRg st="6" end="6"/>
                                             </p:txEl>
                                           </p:spTgt>
                                         </p:tgtEl>
@@ -5136,97 +5985,11 @@
                                     </p:set>
                                     <p:animEffect transition="in" filter="wipe(left)">
                                       <p:cBhvr>
-                                        <p:cTn id="10" dur="1500"/>
+                                        <p:cTn id="22" dur="1500"/>
                                         <p:tgtEl>
                                           <p:spTgt spid="3">
                                             <p:txEl>
-                                              <p:pRg st="2" end="2"/>
-                                            </p:txEl>
-                                          </p:spTgt>
-                                        </p:tgtEl>
-                                      </p:cBhvr>
-                                    </p:animEffect>
-                                  </p:childTnLst>
-                                </p:cTn>
-                              </p:par>
-                              <p:par>
-                                <p:cTn id="11" presetID="22" presetClass="entr" presetSubtype="8" fill="hold" nodeType="withEffect">
-                                  <p:stCondLst>
-                                    <p:cond delay="0"/>
-                                  </p:stCondLst>
-                                  <p:childTnLst>
-                                    <p:set>
-                                      <p:cBhvr>
-                                        <p:cTn id="12" dur="1" fill="hold">
-                                          <p:stCondLst>
-                                            <p:cond delay="0"/>
-                                          </p:stCondLst>
-                                        </p:cTn>
-                                        <p:tgtEl>
-                                          <p:spTgt spid="3">
-                                            <p:txEl>
-                                              <p:pRg st="3" end="3"/>
-                                            </p:txEl>
-                                          </p:spTgt>
-                                        </p:tgtEl>
-                                        <p:attrNameLst>
-                                          <p:attrName>style.visibility</p:attrName>
-                                        </p:attrNameLst>
-                                      </p:cBhvr>
-                                      <p:to>
-                                        <p:strVal val="visible"/>
-                                      </p:to>
-                                    </p:set>
-                                    <p:animEffect transition="in" filter="wipe(left)">
-                                      <p:cBhvr>
-                                        <p:cTn id="13" dur="1500"/>
-                                        <p:tgtEl>
-                                          <p:spTgt spid="3">
-                                            <p:txEl>
-                                              <p:pRg st="3" end="3"/>
-                                            </p:txEl>
-                                          </p:spTgt>
-                                        </p:tgtEl>
-                                      </p:cBhvr>
-                                    </p:animEffect>
-                                  </p:childTnLst>
-                                </p:cTn>
-                              </p:par>
-                              <p:par>
-                                <p:cTn id="14" presetID="22" presetClass="entr" presetSubtype="8" fill="hold" nodeType="withEffect">
-                                  <p:stCondLst>
-                                    <p:cond delay="0"/>
-                                  </p:stCondLst>
-                                  <p:childTnLst>
-                                    <p:set>
-                                      <p:cBhvr>
-                                        <p:cTn id="15" dur="1" fill="hold">
-                                          <p:stCondLst>
-                                            <p:cond delay="0"/>
-                                          </p:stCondLst>
-                                        </p:cTn>
-                                        <p:tgtEl>
-                                          <p:spTgt spid="3">
-                                            <p:txEl>
-                                              <p:pRg st="4" end="4"/>
-                                            </p:txEl>
-                                          </p:spTgt>
-                                        </p:tgtEl>
-                                        <p:attrNameLst>
-                                          <p:attrName>style.visibility</p:attrName>
-                                        </p:attrNameLst>
-                                      </p:cBhvr>
-                                      <p:to>
-                                        <p:strVal val="visible"/>
-                                      </p:to>
-                                    </p:set>
-                                    <p:animEffect transition="in" filter="wipe(left)">
-                                      <p:cBhvr>
-                                        <p:cTn id="16" dur="1500"/>
-                                        <p:tgtEl>
-                                          <p:spTgt spid="3">
-                                            <p:txEl>
-                                              <p:pRg st="4" end="4"/>
+                                              <p:pRg st="6" end="6"/>
                                             </p:txEl>
                                           </p:spTgt>
                                         </p:tgtEl>
@@ -5266,12 +6029,18 @@
 </p:sld>
 </file>
 
-<file path=ppt/slides/slide8.xml><?xml version="1.0" encoding="utf-8"?>
+<file path=ppt/slides/slide4.xml><?xml version="1.0" encoding="utf-8"?>
 <p:sld xmlns:a="http://schemas.openxmlformats.org/drawingml/2006/main" xmlns:r="http://schemas.openxmlformats.org/officeDocument/2006/relationships" xmlns:p="http://schemas.openxmlformats.org/presentationml/2006/main">
   <p:cSld>
     <p:spTree>
       <p:nvGrpSpPr>
-        <p:cNvPr id="1" name=""/>
+        <p:cNvPr id="1" name="">
+          <a:extLst>
+            <a:ext uri="{FF2B5EF4-FFF2-40B4-BE49-F238E27FC236}">
+              <a16:creationId xmlns:a16="http://schemas.microsoft.com/office/drawing/2014/main" id="{345F8B7D-2087-9F18-EAFE-B14FC8FB1B67}"/>
+            </a:ext>
+          </a:extLst>
+        </p:cNvPr>
         <p:cNvGrpSpPr/>
         <p:nvPr/>
       </p:nvGrpSpPr>
@@ -5288,7 +6057,7 @@
           <p:cNvPr id="2" name="Title 1">
             <a:extLst>
               <a:ext uri="{FF2B5EF4-FFF2-40B4-BE49-F238E27FC236}">
-                <a16:creationId xmlns:a16="http://schemas.microsoft.com/office/drawing/2014/main" id="{226094DC-16B6-C1C3-FA37-D038F07E7ADF}"/>
+                <a16:creationId xmlns:a16="http://schemas.microsoft.com/office/drawing/2014/main" id="{BA2936AF-5A72-67FC-E164-878EB2EF8A37}"/>
               </a:ext>
             </a:extLst>
           </p:cNvPr>
@@ -5301,7 +6070,7 @@
         </p:nvSpPr>
         <p:spPr>
           <a:xfrm>
-            <a:off x="838200" y="1542076"/>
+            <a:off x="838200" y="215881"/>
             <a:ext cx="10515600" cy="1325563"/>
           </a:xfrm>
         </p:spPr>
@@ -5313,7 +6082,7 @@
           <a:p>
             <a:pPr algn="ctr"/>
             <a:r>
-              <a:rPr lang="hu-HU" sz="5400" dirty="0">
+              <a:rPr lang="hu-HU" sz="4800" dirty="0">
                 <a:ln w="22225">
                   <a:solidFill>
                     <a:schemeClr val="tx1"/>
@@ -5322,9 +6091,9 @@
                 </a:ln>
                 <a:noFill/>
               </a:rPr>
-              <a:t>Köszönjük a figyelmet!</a:t>
-            </a:r>
-            <a:endParaRPr lang="en-US" sz="5400" dirty="0">
+              <a:t>A kezelőfelület</a:t>
+            </a:r>
+            <a:endParaRPr lang="en-US" sz="4800" dirty="0">
               <a:ln w="22225">
                 <a:solidFill>
                   <a:schemeClr val="tx1"/>
@@ -5336,407 +6105,731 @@
           </a:p>
         </p:txBody>
       </p:sp>
-      <p:sp>
-        <p:nvSpPr>
-          <p:cNvPr id="3" name="Content Placeholder 2">
-            <a:extLst>
-              <a:ext uri="{FF2B5EF4-FFF2-40B4-BE49-F238E27FC236}">
-                <a16:creationId xmlns:a16="http://schemas.microsoft.com/office/drawing/2014/main" id="{D084A9A2-EE07-F5B8-795D-CADECEFC9F93}"/>
-              </a:ext>
-            </a:extLst>
-          </p:cNvPr>
-          <p:cNvSpPr>
-            <a:spLocks noGrp="1"/>
-          </p:cNvSpPr>
-          <p:nvPr>
-            <p:ph idx="1"/>
-          </p:nvPr>
-        </p:nvSpPr>
+      <p:pic>
+        <p:nvPicPr>
+          <p:cNvPr id="4" name="Kép 3">
+            <a:extLst>
+              <a:ext uri="{FF2B5EF4-FFF2-40B4-BE49-F238E27FC236}">
+                <a16:creationId xmlns:a16="http://schemas.microsoft.com/office/drawing/2014/main" id="{2064D896-6631-8C50-896D-14B3B2DF0272}"/>
+              </a:ext>
+            </a:extLst>
+          </p:cNvPr>
+          <p:cNvPicPr>
+            <a:picLocks noChangeAspect="1"/>
+          </p:cNvPicPr>
+          <p:nvPr/>
+        </p:nvPicPr>
+        <p:blipFill>
+          <a:blip r:embed="rId2"/>
+          <a:stretch>
+            <a:fillRect/>
+          </a:stretch>
+        </p:blipFill>
         <p:spPr>
           <a:xfrm>
-            <a:off x="4867369" y="3990362"/>
-            <a:ext cx="2457261" cy="1958724"/>
+            <a:off x="181846" y="1833175"/>
+            <a:ext cx="11828307" cy="3872361"/>
           </a:xfrm>
+          <a:prstGeom prst="rect">
+            <a:avLst/>
+          </a:prstGeom>
         </p:spPr>
-        <p:txBody>
-          <a:bodyPr>
-            <a:normAutofit fontScale="92500" lnSpcReduction="20000"/>
-          </a:bodyPr>
-          <a:lstStyle/>
-          <a:p>
-            <a:pPr marL="0" indent="0">
-              <a:buNone/>
-            </a:pPr>
-            <a:r>
-              <a:rPr lang="hu-HU" sz="1800" dirty="0"/>
-              <a:t>The </a:t>
-            </a:r>
-            <a:r>
-              <a:rPr lang="hu-HU" sz="1800" dirty="0" err="1"/>
-              <a:t>Barn</a:t>
-            </a:r>
-            <a:r>
-              <a:rPr lang="hu-HU" sz="1800" dirty="0"/>
-              <a:t> projekt tagok:</a:t>
-            </a:r>
-          </a:p>
-          <a:p>
-            <a:pPr marL="0" indent="0">
-              <a:buNone/>
-            </a:pPr>
-            <a:endParaRPr lang="hu-HU" sz="1800" dirty="0"/>
-          </a:p>
-          <a:p>
-            <a:pPr marL="0" indent="0" algn="ctr">
-              <a:buNone/>
-            </a:pPr>
-            <a:r>
-              <a:rPr lang="hu-HU" sz="1800" dirty="0"/>
-              <a:t>Németh Hunor</a:t>
-            </a:r>
-          </a:p>
-          <a:p>
-            <a:pPr marL="0" indent="0" algn="ctr">
-              <a:buNone/>
-            </a:pPr>
-            <a:r>
-              <a:rPr lang="hu-HU" sz="1800" dirty="0"/>
-              <a:t>Csutak Dávid</a:t>
-            </a:r>
-          </a:p>
-          <a:p>
-            <a:pPr marL="0" indent="0" algn="ctr">
-              <a:buNone/>
-            </a:pPr>
-            <a:r>
-              <a:rPr lang="hu-HU" sz="1800" dirty="0"/>
-              <a:t>Kertész Márk</a:t>
-            </a:r>
-          </a:p>
-          <a:p>
-            <a:pPr marL="0" indent="0" algn="ctr">
-              <a:buNone/>
-            </a:pPr>
-            <a:r>
-              <a:rPr lang="hu-HU" sz="1800" dirty="0"/>
-              <a:t>Barna Mátyás</a:t>
-            </a:r>
-            <a:endParaRPr lang="en-US" sz="1800" dirty="0"/>
-          </a:p>
-        </p:txBody>
-      </p:sp>
+      </p:pic>
     </p:spTree>
     <p:extLst>
       <p:ext uri="{BB962C8B-B14F-4D97-AF65-F5344CB8AC3E}">
-        <p14:creationId xmlns:p14="http://schemas.microsoft.com/office/powerpoint/2010/main" val="1549524452"/>
+        <p14:creationId xmlns:p14="http://schemas.microsoft.com/office/powerpoint/2010/main" val="1730377426"/>
       </p:ext>
     </p:extLst>
   </p:cSld>
   <p:clrMapOvr>
     <a:masterClrMapping/>
   </p:clrMapOvr>
-  <p:timing>
-    <p:tnLst>
-      <p:par>
-        <p:cTn id="1" dur="indefinite" restart="never" nodeType="tmRoot">
-          <p:childTnLst>
-            <p:seq concurrent="1" nextAc="seek">
-              <p:cTn id="2" dur="indefinite" nodeType="mainSeq">
-                <p:childTnLst>
-                  <p:par>
-                    <p:cTn id="3" fill="hold">
-                      <p:stCondLst>
-                        <p:cond delay="indefinite"/>
-                        <p:cond evt="onBegin" delay="0">
-                          <p:tn val="2"/>
-                        </p:cond>
-                      </p:stCondLst>
-                      <p:childTnLst>
-                        <p:par>
-                          <p:cTn id="4" fill="hold">
-                            <p:stCondLst>
-                              <p:cond delay="0"/>
-                            </p:stCondLst>
-                            <p:childTnLst>
-                              <p:par>
-                                <p:cTn id="5" presetID="10" presetClass="entr" presetSubtype="0" fill="hold" nodeType="withEffect">
-                                  <p:stCondLst>
-                                    <p:cond delay="3000"/>
-                                  </p:stCondLst>
-                                  <p:childTnLst>
-                                    <p:set>
-                                      <p:cBhvr>
-                                        <p:cTn id="6" dur="1" fill="hold">
-                                          <p:stCondLst>
-                                            <p:cond delay="0"/>
-                                          </p:stCondLst>
-                                        </p:cTn>
-                                        <p:tgtEl>
-                                          <p:spTgt spid="3">
-                                            <p:txEl>
-                                              <p:pRg st="0" end="0"/>
-                                            </p:txEl>
-                                          </p:spTgt>
-                                        </p:tgtEl>
-                                        <p:attrNameLst>
-                                          <p:attrName>style.visibility</p:attrName>
-                                        </p:attrNameLst>
-                                      </p:cBhvr>
-                                      <p:to>
-                                        <p:strVal val="visible"/>
-                                      </p:to>
-                                    </p:set>
-                                    <p:animEffect transition="in" filter="fade">
-                                      <p:cBhvr>
-                                        <p:cTn id="7" dur="1000"/>
-                                        <p:tgtEl>
-                                          <p:spTgt spid="3">
-                                            <p:txEl>
-                                              <p:pRg st="0" end="0"/>
-                                            </p:txEl>
-                                          </p:spTgt>
-                                        </p:tgtEl>
-                                      </p:cBhvr>
-                                    </p:animEffect>
-                                  </p:childTnLst>
-                                </p:cTn>
-                              </p:par>
-                            </p:childTnLst>
-                          </p:cTn>
-                        </p:par>
-                        <p:par>
-                          <p:cTn id="8" fill="hold">
-                            <p:stCondLst>
-                              <p:cond delay="4000"/>
-                            </p:stCondLst>
-                            <p:childTnLst>
-                              <p:par>
-                                <p:cTn id="9" presetID="10" presetClass="entr" presetSubtype="0" fill="hold" nodeType="afterEffect">
-                                  <p:stCondLst>
-                                    <p:cond delay="0"/>
-                                  </p:stCondLst>
-                                  <p:childTnLst>
-                                    <p:set>
-                                      <p:cBhvr>
-                                        <p:cTn id="10" dur="1" fill="hold">
-                                          <p:stCondLst>
-                                            <p:cond delay="0"/>
-                                          </p:stCondLst>
-                                        </p:cTn>
-                                        <p:tgtEl>
-                                          <p:spTgt spid="3">
-                                            <p:txEl>
-                                              <p:pRg st="2" end="2"/>
-                                            </p:txEl>
-                                          </p:spTgt>
-                                        </p:tgtEl>
-                                        <p:attrNameLst>
-                                          <p:attrName>style.visibility</p:attrName>
-                                        </p:attrNameLst>
-                                      </p:cBhvr>
-                                      <p:to>
-                                        <p:strVal val="visible"/>
-                                      </p:to>
-                                    </p:set>
-                                    <p:animEffect transition="in" filter="fade">
-                                      <p:cBhvr>
-                                        <p:cTn id="11" dur="1000"/>
-                                        <p:tgtEl>
-                                          <p:spTgt spid="3">
-                                            <p:txEl>
-                                              <p:pRg st="2" end="2"/>
-                                            </p:txEl>
-                                          </p:spTgt>
-                                        </p:tgtEl>
-                                      </p:cBhvr>
-                                    </p:animEffect>
-                                  </p:childTnLst>
-                                </p:cTn>
-                              </p:par>
-                            </p:childTnLst>
-                          </p:cTn>
-                        </p:par>
-                        <p:par>
-                          <p:cTn id="12" fill="hold">
-                            <p:stCondLst>
-                              <p:cond delay="5000"/>
-                            </p:stCondLst>
-                            <p:childTnLst>
-                              <p:par>
-                                <p:cTn id="13" presetID="10" presetClass="entr" presetSubtype="0" fill="hold" nodeType="afterEffect">
-                                  <p:stCondLst>
-                                    <p:cond delay="0"/>
-                                  </p:stCondLst>
-                                  <p:childTnLst>
-                                    <p:set>
-                                      <p:cBhvr>
-                                        <p:cTn id="14" dur="1" fill="hold">
-                                          <p:stCondLst>
-                                            <p:cond delay="0"/>
-                                          </p:stCondLst>
-                                        </p:cTn>
-                                        <p:tgtEl>
-                                          <p:spTgt spid="3">
-                                            <p:txEl>
-                                              <p:pRg st="3" end="3"/>
-                                            </p:txEl>
-                                          </p:spTgt>
-                                        </p:tgtEl>
-                                        <p:attrNameLst>
-                                          <p:attrName>style.visibility</p:attrName>
-                                        </p:attrNameLst>
-                                      </p:cBhvr>
-                                      <p:to>
-                                        <p:strVal val="visible"/>
-                                      </p:to>
-                                    </p:set>
-                                    <p:animEffect transition="in" filter="fade">
-                                      <p:cBhvr>
-                                        <p:cTn id="15" dur="1000"/>
-                                        <p:tgtEl>
-                                          <p:spTgt spid="3">
-                                            <p:txEl>
-                                              <p:pRg st="3" end="3"/>
-                                            </p:txEl>
-                                          </p:spTgt>
-                                        </p:tgtEl>
-                                      </p:cBhvr>
-                                    </p:animEffect>
-                                  </p:childTnLst>
-                                </p:cTn>
-                              </p:par>
-                            </p:childTnLst>
-                          </p:cTn>
-                        </p:par>
-                        <p:par>
-                          <p:cTn id="16" fill="hold">
-                            <p:stCondLst>
-                              <p:cond delay="6000"/>
-                            </p:stCondLst>
-                            <p:childTnLst>
-                              <p:par>
-                                <p:cTn id="17" presetID="10" presetClass="entr" presetSubtype="0" fill="hold" nodeType="afterEffect">
-                                  <p:stCondLst>
-                                    <p:cond delay="0"/>
-                                  </p:stCondLst>
-                                  <p:childTnLst>
-                                    <p:set>
-                                      <p:cBhvr>
-                                        <p:cTn id="18" dur="1" fill="hold">
-                                          <p:stCondLst>
-                                            <p:cond delay="0"/>
-                                          </p:stCondLst>
-                                        </p:cTn>
-                                        <p:tgtEl>
-                                          <p:spTgt spid="3">
-                                            <p:txEl>
-                                              <p:pRg st="4" end="4"/>
-                                            </p:txEl>
-                                          </p:spTgt>
-                                        </p:tgtEl>
-                                        <p:attrNameLst>
-                                          <p:attrName>style.visibility</p:attrName>
-                                        </p:attrNameLst>
-                                      </p:cBhvr>
-                                      <p:to>
-                                        <p:strVal val="visible"/>
-                                      </p:to>
-                                    </p:set>
-                                    <p:animEffect transition="in" filter="fade">
-                                      <p:cBhvr>
-                                        <p:cTn id="19" dur="1000"/>
-                                        <p:tgtEl>
-                                          <p:spTgt spid="3">
-                                            <p:txEl>
-                                              <p:pRg st="4" end="4"/>
-                                            </p:txEl>
-                                          </p:spTgt>
-                                        </p:tgtEl>
-                                      </p:cBhvr>
-                                    </p:animEffect>
-                                  </p:childTnLst>
-                                </p:cTn>
-                              </p:par>
-                            </p:childTnLst>
-                          </p:cTn>
-                        </p:par>
-                        <p:par>
-                          <p:cTn id="20" fill="hold">
-                            <p:stCondLst>
-                              <p:cond delay="7000"/>
-                            </p:stCondLst>
-                            <p:childTnLst>
-                              <p:par>
-                                <p:cTn id="21" presetID="10" presetClass="entr" presetSubtype="0" fill="hold" nodeType="afterEffect">
-                                  <p:stCondLst>
-                                    <p:cond delay="0"/>
-                                  </p:stCondLst>
-                                  <p:childTnLst>
-                                    <p:set>
-                                      <p:cBhvr>
-                                        <p:cTn id="22" dur="1" fill="hold">
-                                          <p:stCondLst>
-                                            <p:cond delay="0"/>
-                                          </p:stCondLst>
-                                        </p:cTn>
-                                        <p:tgtEl>
-                                          <p:spTgt spid="3">
-                                            <p:txEl>
-                                              <p:pRg st="5" end="5"/>
-                                            </p:txEl>
-                                          </p:spTgt>
-                                        </p:tgtEl>
-                                        <p:attrNameLst>
-                                          <p:attrName>style.visibility</p:attrName>
-                                        </p:attrNameLst>
-                                      </p:cBhvr>
-                                      <p:to>
-                                        <p:strVal val="visible"/>
-                                      </p:to>
-                                    </p:set>
-                                    <p:animEffect transition="in" filter="fade">
-                                      <p:cBhvr>
-                                        <p:cTn id="23" dur="1000"/>
-                                        <p:tgtEl>
-                                          <p:spTgt spid="3">
-                                            <p:txEl>
-                                              <p:pRg st="5" end="5"/>
-                                            </p:txEl>
-                                          </p:spTgt>
-                                        </p:tgtEl>
-                                      </p:cBhvr>
-                                    </p:animEffect>
-                                  </p:childTnLst>
-                                </p:cTn>
-                              </p:par>
-                            </p:childTnLst>
-                          </p:cTn>
-                        </p:par>
-                      </p:childTnLst>
-                    </p:cTn>
-                  </p:par>
-                </p:childTnLst>
-              </p:cTn>
-              <p:prevCondLst>
-                <p:cond evt="onPrev" delay="0">
-                  <p:tgtEl>
-                    <p:sldTgt/>
-                  </p:tgtEl>
-                </p:cond>
-              </p:prevCondLst>
-              <p:nextCondLst>
-                <p:cond evt="onNext" delay="0">
-                  <p:tgtEl>
-                    <p:sldTgt/>
-                  </p:tgtEl>
-                </p:cond>
-              </p:nextCondLst>
-            </p:seq>
-          </p:childTnLst>
-        </p:cTn>
-      </p:par>
-    </p:tnLst>
-  </p:timing>
+</p:sld>
+</file>
+
+<file path=ppt/slides/slide5.xml><?xml version="1.0" encoding="utf-8"?>
+<p:sld xmlns:a="http://schemas.openxmlformats.org/drawingml/2006/main" xmlns:r="http://schemas.openxmlformats.org/officeDocument/2006/relationships" xmlns:p="http://schemas.openxmlformats.org/presentationml/2006/main">
+  <p:cSld>
+    <p:spTree>
+      <p:nvGrpSpPr>
+        <p:cNvPr id="1" name="">
+          <a:extLst>
+            <a:ext uri="{FF2B5EF4-FFF2-40B4-BE49-F238E27FC236}">
+              <a16:creationId xmlns:a16="http://schemas.microsoft.com/office/drawing/2014/main" id="{2CAA7876-AF32-D0E2-AA97-9F90B6EA8218}"/>
+            </a:ext>
+          </a:extLst>
+        </p:cNvPr>
+        <p:cNvGrpSpPr/>
+        <p:nvPr/>
+      </p:nvGrpSpPr>
+      <p:grpSpPr>
+        <a:xfrm>
+          <a:off x="0" y="0"/>
+          <a:ext cx="0" cy="0"/>
+          <a:chOff x="0" y="0"/>
+          <a:chExt cx="0" cy="0"/>
+        </a:xfrm>
+      </p:grpSpPr>
+      <p:sp>
+        <p:nvSpPr>
+          <p:cNvPr id="2" name="Title 1">
+            <a:extLst>
+              <a:ext uri="{FF2B5EF4-FFF2-40B4-BE49-F238E27FC236}">
+                <a16:creationId xmlns:a16="http://schemas.microsoft.com/office/drawing/2014/main" id="{75D1D66D-84D1-9D9F-6A53-F8427904D93E}"/>
+              </a:ext>
+            </a:extLst>
+          </p:cNvPr>
+          <p:cNvSpPr>
+            <a:spLocks noGrp="1"/>
+          </p:cNvSpPr>
+          <p:nvPr>
+            <p:ph type="title"/>
+          </p:nvPr>
+        </p:nvSpPr>
+        <p:spPr>
+          <a:xfrm>
+            <a:off x="838200" y="215881"/>
+            <a:ext cx="10515600" cy="1325563"/>
+          </a:xfrm>
+        </p:spPr>
+        <p:txBody>
+          <a:bodyPr>
+            <a:noAutofit/>
+          </a:bodyPr>
+          <a:lstStyle/>
+          <a:p>
+            <a:pPr algn="ctr"/>
+            <a:r>
+              <a:rPr lang="hu-HU" sz="4800" dirty="0">
+                <a:ln w="22225">
+                  <a:solidFill>
+                    <a:schemeClr val="tx1"/>
+                  </a:solidFill>
+                  <a:miter lim="800000"/>
+                </a:ln>
+                <a:noFill/>
+              </a:rPr>
+              <a:t>A kezelőfelület</a:t>
+            </a:r>
+            <a:endParaRPr lang="en-US" sz="4800" dirty="0">
+              <a:ln w="22225">
+                <a:solidFill>
+                  <a:schemeClr val="tx1"/>
+                </a:solidFill>
+                <a:miter lim="800000"/>
+              </a:ln>
+              <a:noFill/>
+            </a:endParaRPr>
+          </a:p>
+        </p:txBody>
+      </p:sp>
+      <p:pic>
+        <p:nvPicPr>
+          <p:cNvPr id="3" name="Kép 2">
+            <a:extLst>
+              <a:ext uri="{FF2B5EF4-FFF2-40B4-BE49-F238E27FC236}">
+                <a16:creationId xmlns:a16="http://schemas.microsoft.com/office/drawing/2014/main" id="{216B45A2-BC7B-09F6-796F-7B6609BAABA6}"/>
+              </a:ext>
+            </a:extLst>
+          </p:cNvPr>
+          <p:cNvPicPr>
+            <a:picLocks noChangeAspect="1"/>
+          </p:cNvPicPr>
+          <p:nvPr/>
+        </p:nvPicPr>
+        <p:blipFill>
+          <a:blip r:embed="rId2"/>
+          <a:stretch>
+            <a:fillRect/>
+          </a:stretch>
+        </p:blipFill>
+        <p:spPr>
+          <a:xfrm>
+            <a:off x="838200" y="1412423"/>
+            <a:ext cx="10515600" cy="5445577"/>
+          </a:xfrm>
+          <a:prstGeom prst="rect">
+            <a:avLst/>
+          </a:prstGeom>
+        </p:spPr>
+      </p:pic>
+    </p:spTree>
+    <p:extLst>
+      <p:ext uri="{BB962C8B-B14F-4D97-AF65-F5344CB8AC3E}">
+        <p14:creationId xmlns:p14="http://schemas.microsoft.com/office/powerpoint/2010/main" val="926998945"/>
+      </p:ext>
+    </p:extLst>
+  </p:cSld>
+  <p:clrMapOvr>
+    <a:masterClrMapping/>
+  </p:clrMapOvr>
+</p:sld>
+</file>
+
+<file path=ppt/slides/slide6.xml><?xml version="1.0" encoding="utf-8"?>
+<p:sld xmlns:a="http://schemas.openxmlformats.org/drawingml/2006/main" xmlns:r="http://schemas.openxmlformats.org/officeDocument/2006/relationships" xmlns:p="http://schemas.openxmlformats.org/presentationml/2006/main">
+  <p:cSld>
+    <p:spTree>
+      <p:nvGrpSpPr>
+        <p:cNvPr id="1" name="">
+          <a:extLst>
+            <a:ext uri="{FF2B5EF4-FFF2-40B4-BE49-F238E27FC236}">
+              <a16:creationId xmlns:a16="http://schemas.microsoft.com/office/drawing/2014/main" id="{D3D48170-9233-8476-EC66-39BCF0422A77}"/>
+            </a:ext>
+          </a:extLst>
+        </p:cNvPr>
+        <p:cNvGrpSpPr/>
+        <p:nvPr/>
+      </p:nvGrpSpPr>
+      <p:grpSpPr>
+        <a:xfrm>
+          <a:off x="0" y="0"/>
+          <a:ext cx="0" cy="0"/>
+          <a:chOff x="0" y="0"/>
+          <a:chExt cx="0" cy="0"/>
+        </a:xfrm>
+      </p:grpSpPr>
+      <p:sp>
+        <p:nvSpPr>
+          <p:cNvPr id="2" name="Title 1">
+            <a:extLst>
+              <a:ext uri="{FF2B5EF4-FFF2-40B4-BE49-F238E27FC236}">
+                <a16:creationId xmlns:a16="http://schemas.microsoft.com/office/drawing/2014/main" id="{0D38AF96-3388-8FF0-70EC-C611E1E30682}"/>
+              </a:ext>
+            </a:extLst>
+          </p:cNvPr>
+          <p:cNvSpPr>
+            <a:spLocks noGrp="1"/>
+          </p:cNvSpPr>
+          <p:nvPr>
+            <p:ph type="title"/>
+          </p:nvPr>
+        </p:nvSpPr>
+        <p:spPr>
+          <a:xfrm>
+            <a:off x="838200" y="215881"/>
+            <a:ext cx="10515600" cy="1325563"/>
+          </a:xfrm>
+        </p:spPr>
+        <p:txBody>
+          <a:bodyPr>
+            <a:noAutofit/>
+          </a:bodyPr>
+          <a:lstStyle/>
+          <a:p>
+            <a:pPr algn="ctr"/>
+            <a:r>
+              <a:rPr lang="hu-HU" sz="4800" dirty="0">
+                <a:ln w="22225">
+                  <a:solidFill>
+                    <a:schemeClr val="tx1"/>
+                  </a:solidFill>
+                  <a:miter lim="800000"/>
+                </a:ln>
+                <a:noFill/>
+              </a:rPr>
+              <a:t>A kezelőfelület</a:t>
+            </a:r>
+            <a:endParaRPr lang="en-US" sz="4800" dirty="0">
+              <a:ln w="22225">
+                <a:solidFill>
+                  <a:schemeClr val="tx1"/>
+                </a:solidFill>
+                <a:miter lim="800000"/>
+              </a:ln>
+              <a:noFill/>
+            </a:endParaRPr>
+          </a:p>
+        </p:txBody>
+      </p:sp>
+      <p:pic>
+        <p:nvPicPr>
+          <p:cNvPr id="4" name="Kép 3">
+            <a:extLst>
+              <a:ext uri="{FF2B5EF4-FFF2-40B4-BE49-F238E27FC236}">
+                <a16:creationId xmlns:a16="http://schemas.microsoft.com/office/drawing/2014/main" id="{C2C44EB6-7882-4D66-E257-1FD51A5641E4}"/>
+              </a:ext>
+            </a:extLst>
+          </p:cNvPr>
+          <p:cNvPicPr>
+            <a:picLocks noChangeAspect="1"/>
+          </p:cNvPicPr>
+          <p:nvPr/>
+        </p:nvPicPr>
+        <p:blipFill>
+          <a:blip r:embed="rId2"/>
+          <a:stretch>
+            <a:fillRect/>
+          </a:stretch>
+        </p:blipFill>
+        <p:spPr>
+          <a:xfrm>
+            <a:off x="0" y="1191378"/>
+            <a:ext cx="12191999" cy="2975427"/>
+          </a:xfrm>
+          <a:prstGeom prst="rect">
+            <a:avLst/>
+          </a:prstGeom>
+        </p:spPr>
+      </p:pic>
+      <p:pic>
+        <p:nvPicPr>
+          <p:cNvPr id="5" name="Kép 4">
+            <a:extLst>
+              <a:ext uri="{FF2B5EF4-FFF2-40B4-BE49-F238E27FC236}">
+                <a16:creationId xmlns:a16="http://schemas.microsoft.com/office/drawing/2014/main" id="{46757041-CE37-BD2C-3892-788A14DAA30C}"/>
+              </a:ext>
+            </a:extLst>
+          </p:cNvPr>
+          <p:cNvPicPr>
+            <a:picLocks noChangeAspect="1"/>
+          </p:cNvPicPr>
+          <p:nvPr/>
+        </p:nvPicPr>
+        <p:blipFill>
+          <a:blip r:embed="rId3"/>
+          <a:stretch>
+            <a:fillRect/>
+          </a:stretch>
+        </p:blipFill>
+        <p:spPr>
+          <a:xfrm>
+            <a:off x="-1" y="3882573"/>
+            <a:ext cx="12191999" cy="2975427"/>
+          </a:xfrm>
+          <a:prstGeom prst="rect">
+            <a:avLst/>
+          </a:prstGeom>
+        </p:spPr>
+      </p:pic>
+    </p:spTree>
+    <p:extLst>
+      <p:ext uri="{BB962C8B-B14F-4D97-AF65-F5344CB8AC3E}">
+        <p14:creationId xmlns:p14="http://schemas.microsoft.com/office/powerpoint/2010/main" val="813853872"/>
+      </p:ext>
+    </p:extLst>
+  </p:cSld>
+  <p:clrMapOvr>
+    <a:masterClrMapping/>
+  </p:clrMapOvr>
+</p:sld>
+</file>
+
+<file path=ppt/slides/slide7.xml><?xml version="1.0" encoding="utf-8"?>
+<p:sld xmlns:a="http://schemas.openxmlformats.org/drawingml/2006/main" xmlns:r="http://schemas.openxmlformats.org/officeDocument/2006/relationships" xmlns:p="http://schemas.openxmlformats.org/presentationml/2006/main">
+  <p:cSld>
+    <p:spTree>
+      <p:nvGrpSpPr>
+        <p:cNvPr id="1" name="">
+          <a:extLst>
+            <a:ext uri="{FF2B5EF4-FFF2-40B4-BE49-F238E27FC236}">
+              <a16:creationId xmlns:a16="http://schemas.microsoft.com/office/drawing/2014/main" id="{F9267218-89A7-D5D7-FB69-969E0BAB686F}"/>
+            </a:ext>
+          </a:extLst>
+        </p:cNvPr>
+        <p:cNvGrpSpPr/>
+        <p:nvPr/>
+      </p:nvGrpSpPr>
+      <p:grpSpPr>
+        <a:xfrm>
+          <a:off x="0" y="0"/>
+          <a:ext cx="0" cy="0"/>
+          <a:chOff x="0" y="0"/>
+          <a:chExt cx="0" cy="0"/>
+        </a:xfrm>
+      </p:grpSpPr>
+      <p:sp>
+        <p:nvSpPr>
+          <p:cNvPr id="2" name="Title 1">
+            <a:extLst>
+              <a:ext uri="{FF2B5EF4-FFF2-40B4-BE49-F238E27FC236}">
+                <a16:creationId xmlns:a16="http://schemas.microsoft.com/office/drawing/2014/main" id="{AE07FE9C-D6D4-111E-01B0-74927BDBDAB5}"/>
+              </a:ext>
+            </a:extLst>
+          </p:cNvPr>
+          <p:cNvSpPr>
+            <a:spLocks noGrp="1"/>
+          </p:cNvSpPr>
+          <p:nvPr>
+            <p:ph type="title"/>
+          </p:nvPr>
+        </p:nvSpPr>
+        <p:spPr>
+          <a:xfrm>
+            <a:off x="838200" y="215881"/>
+            <a:ext cx="10515600" cy="1325563"/>
+          </a:xfrm>
+        </p:spPr>
+        <p:txBody>
+          <a:bodyPr>
+            <a:noAutofit/>
+          </a:bodyPr>
+          <a:lstStyle/>
+          <a:p>
+            <a:pPr algn="ctr"/>
+            <a:r>
+              <a:rPr lang="hu-HU" sz="4800" dirty="0">
+                <a:ln w="22225">
+                  <a:solidFill>
+                    <a:schemeClr val="tx1"/>
+                  </a:solidFill>
+                  <a:miter lim="800000"/>
+                </a:ln>
+                <a:noFill/>
+              </a:rPr>
+              <a:t>A kezelőfelület</a:t>
+            </a:r>
+            <a:endParaRPr lang="en-US" sz="4800" dirty="0">
+              <a:ln w="22225">
+                <a:solidFill>
+                  <a:schemeClr val="tx1"/>
+                </a:solidFill>
+                <a:miter lim="800000"/>
+              </a:ln>
+              <a:noFill/>
+            </a:endParaRPr>
+          </a:p>
+        </p:txBody>
+      </p:sp>
+      <p:pic>
+        <p:nvPicPr>
+          <p:cNvPr id="3" name="Kép 2">
+            <a:extLst>
+              <a:ext uri="{FF2B5EF4-FFF2-40B4-BE49-F238E27FC236}">
+                <a16:creationId xmlns:a16="http://schemas.microsoft.com/office/drawing/2014/main" id="{DB6A44BA-EDF0-DE1D-E107-A2BEA0E20C59}"/>
+              </a:ext>
+            </a:extLst>
+          </p:cNvPr>
+          <p:cNvPicPr>
+            <a:picLocks noChangeAspect="1"/>
+          </p:cNvPicPr>
+          <p:nvPr/>
+        </p:nvPicPr>
+        <p:blipFill>
+          <a:blip r:embed="rId2"/>
+          <a:stretch>
+            <a:fillRect/>
+          </a:stretch>
+        </p:blipFill>
+        <p:spPr>
+          <a:xfrm>
+            <a:off x="5760384" y="1541444"/>
+            <a:ext cx="6431616" cy="4202475"/>
+          </a:xfrm>
+          <a:prstGeom prst="rect">
+            <a:avLst/>
+          </a:prstGeom>
+        </p:spPr>
+      </p:pic>
+      <p:pic>
+        <p:nvPicPr>
+          <p:cNvPr id="6" name="Kép 5">
+            <a:extLst>
+              <a:ext uri="{FF2B5EF4-FFF2-40B4-BE49-F238E27FC236}">
+                <a16:creationId xmlns:a16="http://schemas.microsoft.com/office/drawing/2014/main" id="{090D2A90-DDC5-970C-47E2-90E9B31305B2}"/>
+              </a:ext>
+            </a:extLst>
+          </p:cNvPr>
+          <p:cNvPicPr>
+            <a:picLocks noChangeAspect="1"/>
+          </p:cNvPicPr>
+          <p:nvPr/>
+        </p:nvPicPr>
+        <p:blipFill>
+          <a:blip r:embed="rId3"/>
+          <a:stretch>
+            <a:fillRect/>
+          </a:stretch>
+        </p:blipFill>
+        <p:spPr>
+          <a:xfrm>
+            <a:off x="0" y="1541444"/>
+            <a:ext cx="5760384" cy="4189370"/>
+          </a:xfrm>
+          <a:prstGeom prst="rect">
+            <a:avLst/>
+          </a:prstGeom>
+        </p:spPr>
+      </p:pic>
+    </p:spTree>
+    <p:extLst>
+      <p:ext uri="{BB962C8B-B14F-4D97-AF65-F5344CB8AC3E}">
+        <p14:creationId xmlns:p14="http://schemas.microsoft.com/office/powerpoint/2010/main" val="2528569626"/>
+      </p:ext>
+    </p:extLst>
+  </p:cSld>
+  <p:clrMapOvr>
+    <a:masterClrMapping/>
+  </p:clrMapOvr>
+</p:sld>
+</file>
+
+<file path=ppt/slides/slide8.xml><?xml version="1.0" encoding="utf-8"?>
+<p:sld xmlns:a="http://schemas.openxmlformats.org/drawingml/2006/main" xmlns:r="http://schemas.openxmlformats.org/officeDocument/2006/relationships" xmlns:p="http://schemas.openxmlformats.org/presentationml/2006/main">
+  <p:cSld>
+    <p:spTree>
+      <p:nvGrpSpPr>
+        <p:cNvPr id="1" name="">
+          <a:extLst>
+            <a:ext uri="{FF2B5EF4-FFF2-40B4-BE49-F238E27FC236}">
+              <a16:creationId xmlns:a16="http://schemas.microsoft.com/office/drawing/2014/main" id="{5EC521C2-553F-8F11-C97F-F87A45ABB213}"/>
+            </a:ext>
+          </a:extLst>
+        </p:cNvPr>
+        <p:cNvGrpSpPr/>
+        <p:nvPr/>
+      </p:nvGrpSpPr>
+      <p:grpSpPr>
+        <a:xfrm>
+          <a:off x="0" y="0"/>
+          <a:ext cx="0" cy="0"/>
+          <a:chOff x="0" y="0"/>
+          <a:chExt cx="0" cy="0"/>
+        </a:xfrm>
+      </p:grpSpPr>
+      <p:sp>
+        <p:nvSpPr>
+          <p:cNvPr id="2" name="Title 1">
+            <a:extLst>
+              <a:ext uri="{FF2B5EF4-FFF2-40B4-BE49-F238E27FC236}">
+                <a16:creationId xmlns:a16="http://schemas.microsoft.com/office/drawing/2014/main" id="{7D695B0E-3BCC-9E75-1B78-FC121BA0A090}"/>
+              </a:ext>
+            </a:extLst>
+          </p:cNvPr>
+          <p:cNvSpPr>
+            <a:spLocks noGrp="1"/>
+          </p:cNvSpPr>
+          <p:nvPr>
+            <p:ph type="title"/>
+          </p:nvPr>
+        </p:nvSpPr>
+        <p:spPr>
+          <a:xfrm>
+            <a:off x="838200" y="215881"/>
+            <a:ext cx="10515600" cy="1325563"/>
+          </a:xfrm>
+        </p:spPr>
+        <p:txBody>
+          <a:bodyPr>
+            <a:noAutofit/>
+          </a:bodyPr>
+          <a:lstStyle/>
+          <a:p>
+            <a:pPr algn="ctr"/>
+            <a:r>
+              <a:rPr lang="hu-HU" sz="4800" dirty="0">
+                <a:ln w="22225">
+                  <a:solidFill>
+                    <a:schemeClr val="tx1"/>
+                  </a:solidFill>
+                  <a:miter lim="800000"/>
+                </a:ln>
+                <a:noFill/>
+              </a:rPr>
+              <a:t>A kezelőfelület</a:t>
+            </a:r>
+            <a:endParaRPr lang="en-US" sz="4800" dirty="0">
+              <a:ln w="22225">
+                <a:solidFill>
+                  <a:schemeClr val="tx1"/>
+                </a:solidFill>
+                <a:miter lim="800000"/>
+              </a:ln>
+              <a:noFill/>
+            </a:endParaRPr>
+          </a:p>
+        </p:txBody>
+      </p:sp>
+      <p:pic>
+        <p:nvPicPr>
+          <p:cNvPr id="4" name="Kép 3">
+            <a:extLst>
+              <a:ext uri="{FF2B5EF4-FFF2-40B4-BE49-F238E27FC236}">
+                <a16:creationId xmlns:a16="http://schemas.microsoft.com/office/drawing/2014/main" id="{F90C5065-2C68-677A-8291-50B726888CAA}"/>
+              </a:ext>
+            </a:extLst>
+          </p:cNvPr>
+          <p:cNvPicPr>
+            <a:picLocks noChangeAspect="1"/>
+          </p:cNvPicPr>
+          <p:nvPr/>
+        </p:nvPicPr>
+        <p:blipFill>
+          <a:blip r:embed="rId2"/>
+          <a:stretch>
+            <a:fillRect/>
+          </a:stretch>
+        </p:blipFill>
+        <p:spPr>
+          <a:xfrm>
+            <a:off x="0" y="1228463"/>
+            <a:ext cx="6096000" cy="5382491"/>
+          </a:xfrm>
+          <a:prstGeom prst="rect">
+            <a:avLst/>
+          </a:prstGeom>
+        </p:spPr>
+      </p:pic>
+      <p:pic>
+        <p:nvPicPr>
+          <p:cNvPr id="5" name="Kép 4">
+            <a:extLst>
+              <a:ext uri="{FF2B5EF4-FFF2-40B4-BE49-F238E27FC236}">
+                <a16:creationId xmlns:a16="http://schemas.microsoft.com/office/drawing/2014/main" id="{60648F38-0B10-F957-5FA2-5B546126027E}"/>
+              </a:ext>
+            </a:extLst>
+          </p:cNvPr>
+          <p:cNvPicPr>
+            <a:picLocks noChangeAspect="1"/>
+          </p:cNvPicPr>
+          <p:nvPr/>
+        </p:nvPicPr>
+        <p:blipFill>
+          <a:blip r:embed="rId3"/>
+          <a:stretch>
+            <a:fillRect/>
+          </a:stretch>
+        </p:blipFill>
+        <p:spPr>
+          <a:xfrm>
+            <a:off x="6096000" y="1228463"/>
+            <a:ext cx="6096000" cy="5382491"/>
+          </a:xfrm>
+          <a:prstGeom prst="rect">
+            <a:avLst/>
+          </a:prstGeom>
+        </p:spPr>
+      </p:pic>
+    </p:spTree>
+    <p:extLst>
+      <p:ext uri="{BB962C8B-B14F-4D97-AF65-F5344CB8AC3E}">
+        <p14:creationId xmlns:p14="http://schemas.microsoft.com/office/powerpoint/2010/main" val="1876272584"/>
+      </p:ext>
+    </p:extLst>
+  </p:cSld>
+  <p:clrMapOvr>
+    <a:masterClrMapping/>
+  </p:clrMapOvr>
+</p:sld>
+</file>
+
+<file path=ppt/slides/slide9.xml><?xml version="1.0" encoding="utf-8"?>
+<p:sld xmlns:a="http://schemas.openxmlformats.org/drawingml/2006/main" xmlns:r="http://schemas.openxmlformats.org/officeDocument/2006/relationships" xmlns:p="http://schemas.openxmlformats.org/presentationml/2006/main">
+  <p:cSld>
+    <p:spTree>
+      <p:nvGrpSpPr>
+        <p:cNvPr id="1" name="">
+          <a:extLst>
+            <a:ext uri="{FF2B5EF4-FFF2-40B4-BE49-F238E27FC236}">
+              <a16:creationId xmlns:a16="http://schemas.microsoft.com/office/drawing/2014/main" id="{16A53151-11FA-31F1-2788-ADFFC93CC9FE}"/>
+            </a:ext>
+          </a:extLst>
+        </p:cNvPr>
+        <p:cNvGrpSpPr/>
+        <p:nvPr/>
+      </p:nvGrpSpPr>
+      <p:grpSpPr>
+        <a:xfrm>
+          <a:off x="0" y="0"/>
+          <a:ext cx="0" cy="0"/>
+          <a:chOff x="0" y="0"/>
+          <a:chExt cx="0" cy="0"/>
+        </a:xfrm>
+      </p:grpSpPr>
+      <p:sp>
+        <p:nvSpPr>
+          <p:cNvPr id="2" name="Title 1">
+            <a:extLst>
+              <a:ext uri="{FF2B5EF4-FFF2-40B4-BE49-F238E27FC236}">
+                <a16:creationId xmlns:a16="http://schemas.microsoft.com/office/drawing/2014/main" id="{91A92896-F2F8-1168-69C9-35FA0DBC87BE}"/>
+              </a:ext>
+            </a:extLst>
+          </p:cNvPr>
+          <p:cNvSpPr>
+            <a:spLocks noGrp="1"/>
+          </p:cNvSpPr>
+          <p:nvPr>
+            <p:ph type="title"/>
+          </p:nvPr>
+        </p:nvSpPr>
+        <p:spPr>
+          <a:xfrm>
+            <a:off x="838200" y="215881"/>
+            <a:ext cx="10515600" cy="1325563"/>
+          </a:xfrm>
+        </p:spPr>
+        <p:txBody>
+          <a:bodyPr>
+            <a:noAutofit/>
+          </a:bodyPr>
+          <a:lstStyle/>
+          <a:p>
+            <a:pPr algn="ctr"/>
+            <a:r>
+              <a:rPr lang="hu-HU" sz="4800" dirty="0">
+                <a:ln w="22225">
+                  <a:solidFill>
+                    <a:schemeClr val="tx1"/>
+                  </a:solidFill>
+                  <a:miter lim="800000"/>
+                </a:ln>
+                <a:noFill/>
+              </a:rPr>
+              <a:t>A kezelőfelület</a:t>
+            </a:r>
+            <a:endParaRPr lang="en-US" sz="4800" dirty="0">
+              <a:ln w="22225">
+                <a:solidFill>
+                  <a:schemeClr val="tx1"/>
+                </a:solidFill>
+                <a:miter lim="800000"/>
+              </a:ln>
+              <a:noFill/>
+            </a:endParaRPr>
+          </a:p>
+        </p:txBody>
+      </p:sp>
+      <p:pic>
+        <p:nvPicPr>
+          <p:cNvPr id="4" name="Kép 3">
+            <a:extLst>
+              <a:ext uri="{FF2B5EF4-FFF2-40B4-BE49-F238E27FC236}">
+                <a16:creationId xmlns:a16="http://schemas.microsoft.com/office/drawing/2014/main" id="{AFDB41AF-64DA-40DB-6C32-B3DAD6EF2CA3}"/>
+              </a:ext>
+            </a:extLst>
+          </p:cNvPr>
+          <p:cNvPicPr>
+            <a:picLocks noChangeAspect="1"/>
+          </p:cNvPicPr>
+          <p:nvPr/>
+        </p:nvPicPr>
+        <p:blipFill>
+          <a:blip r:embed="rId2"/>
+          <a:stretch>
+            <a:fillRect/>
+          </a:stretch>
+        </p:blipFill>
+        <p:spPr>
+          <a:xfrm>
+            <a:off x="3031153" y="1229878"/>
+            <a:ext cx="6129694" cy="5412241"/>
+          </a:xfrm>
+          <a:prstGeom prst="rect">
+            <a:avLst/>
+          </a:prstGeom>
+        </p:spPr>
+      </p:pic>
+    </p:spTree>
+    <p:extLst>
+      <p:ext uri="{BB962C8B-B14F-4D97-AF65-F5344CB8AC3E}">
+        <p14:creationId xmlns:p14="http://schemas.microsoft.com/office/powerpoint/2010/main" val="1863521539"/>
+      </p:ext>
+    </p:extLst>
+  </p:cSld>
+  <p:clrMapOvr>
+    <a:masterClrMapping/>
+  </p:clrMapOvr>
 </p:sld>
 </file>
 
